--- a/Git Fundamentos.pptx
+++ b/Git Fundamentos.pptx
@@ -11104,14 +11104,6 @@
               <a:rPr lang="es-SV" dirty="0"/>
               <a:t>Fundamentos</a:t>
             </a:r>
-            <a:r>
-              <a:rPr lang="en-US" dirty="0"/>
-              <a:t> para un </a:t>
-            </a:r>
-            <a:r>
-              <a:rPr lang="es-SV" dirty="0"/>
-              <a:t>sobrevivir</a:t>
-            </a:r>
           </a:p>
         </p:txBody>
       </p:sp>
@@ -24986,7 +24978,7 @@
               <a:t> las bases de Git para </a:t>
             </a:r>
             <a:r>
-              <a:rPr lang="en-US" sz="2800" dirty="0" err="1">
+              <a:rPr lang="es-SV" sz="2800" dirty="0">
                 <a:solidFill>
                   <a:srgbClr val="FFFFFF"/>
                 </a:solidFill>
@@ -25018,18 +25010,13 @@
               <a:t>  </a:t>
             </a:r>
             <a:r>
-              <a:rPr lang="en-US" sz="2800" dirty="0" err="1">
+              <a:rPr lang="es-SV" sz="2800" dirty="0">
                 <a:solidFill>
                   <a:srgbClr val="FFFFFF"/>
                 </a:solidFill>
               </a:rPr>
               <a:t>funciona</a:t>
             </a:r>
-            <a:endParaRPr lang="en-US" sz="2800" dirty="0">
-              <a:solidFill>
-                <a:srgbClr val="FFFFFF"/>
-              </a:solidFill>
-            </a:endParaRPr>
           </a:p>
           <a:p>
             <a:endParaRPr lang="en-US" sz="2800" dirty="0">

--- a/Git Fundamentos.pptx
+++ b/Git Fundamentos.pptx
@@ -9,8 +9,8 @@
   </p:notesMasterIdLst>
   <p:sldIdLst>
     <p:sldId id="256" r:id="rId2"/>
-    <p:sldId id="258" r:id="rId3"/>
-    <p:sldId id="257" r:id="rId4"/>
+    <p:sldId id="257" r:id="rId3"/>
+    <p:sldId id="258" r:id="rId4"/>
     <p:sldId id="271" r:id="rId5"/>
     <p:sldId id="274" r:id="rId6"/>
     <p:sldId id="297" r:id="rId7"/>
@@ -3257,7 +3257,7 @@
           <a:p>
             <a:fld id="{5C6E11C8-8927-4520-877C-0AFFC50F5286}" type="datetimeFigureOut">
               <a:rPr lang="es-SV" smtClean="0"/>
-              <a:t>24/2/2020</a:t>
+              <a:t>29/4/2020</a:t>
             </a:fld>
             <a:endParaRPr lang="es-SV"/>
           </a:p>
@@ -5792,7 +5792,7 @@
             <a:fld id="{B61BEF0D-F0BB-DE4B-95CE-6DB70DBA9567}" type="datetimeFigureOut">
               <a:rPr lang="en-US" dirty="0"/>
               <a:pPr/>
-              <a:t>2/24/2020</a:t>
+              <a:t>4/29/2020</a:t>
             </a:fld>
             <a:endParaRPr lang="en-US" dirty="0"/>
           </a:p>
@@ -6040,7 +6040,7 @@
             <a:fld id="{B61BEF0D-F0BB-DE4B-95CE-6DB70DBA9567}" type="datetimeFigureOut">
               <a:rPr lang="en-US" dirty="0"/>
               <a:pPr/>
-              <a:t>2/24/2020</a:t>
+              <a:t>4/29/2020</a:t>
             </a:fld>
             <a:endParaRPr lang="en-US" dirty="0"/>
           </a:p>
@@ -6351,7 +6351,7 @@
             <a:fld id="{B61BEF0D-F0BB-DE4B-95CE-6DB70DBA9567}" type="datetimeFigureOut">
               <a:rPr lang="en-US" dirty="0"/>
               <a:pPr/>
-              <a:t>2/24/2020</a:t>
+              <a:t>4/29/2020</a:t>
             </a:fld>
             <a:endParaRPr lang="en-US" dirty="0"/>
           </a:p>
@@ -6681,7 +6681,7 @@
             <a:fld id="{B61BEF0D-F0BB-DE4B-95CE-6DB70DBA9567}" type="datetimeFigureOut">
               <a:rPr lang="en-US" dirty="0"/>
               <a:pPr/>
-              <a:t>2/24/2020</a:t>
+              <a:t>4/29/2020</a:t>
             </a:fld>
             <a:endParaRPr lang="en-US" dirty="0"/>
           </a:p>
@@ -6992,7 +6992,7 @@
             <a:fld id="{B61BEF0D-F0BB-DE4B-95CE-6DB70DBA9567}" type="datetimeFigureOut">
               <a:rPr lang="en-US" dirty="0"/>
               <a:pPr/>
-              <a:t>2/24/2020</a:t>
+              <a:t>4/29/2020</a:t>
             </a:fld>
             <a:endParaRPr lang="en-US" dirty="0"/>
           </a:p>
@@ -7382,7 +7382,7 @@
             <a:fld id="{B61BEF0D-F0BB-DE4B-95CE-6DB70DBA9567}" type="datetimeFigureOut">
               <a:rPr lang="en-US" dirty="0"/>
               <a:pPr/>
-              <a:t>2/24/2020</a:t>
+              <a:t>4/29/2020</a:t>
             </a:fld>
             <a:endParaRPr lang="en-US" dirty="0"/>
           </a:p>
@@ -7548,7 +7548,7 @@
           <a:p>
             <a:fld id="{55C6B4A9-1611-4792-9094-5F34BCA07E0B}" type="datetimeFigureOut">
               <a:rPr lang="en-US" dirty="0"/>
-              <a:t>2/24/2020</a:t>
+              <a:t>4/29/2020</a:t>
             </a:fld>
             <a:endParaRPr lang="en-US" dirty="0"/>
           </a:p>
@@ -7724,7 +7724,7 @@
             <a:fld id="{B61BEF0D-F0BB-DE4B-95CE-6DB70DBA9567}" type="datetimeFigureOut">
               <a:rPr lang="en-US" dirty="0"/>
               <a:pPr/>
-              <a:t>2/24/2020</a:t>
+              <a:t>4/29/2020</a:t>
             </a:fld>
             <a:endParaRPr lang="en-US" dirty="0"/>
           </a:p>
@@ -8245,7 +8245,7 @@
           <a:p>
             <a:fld id="{42A54C80-263E-416B-A8E0-580EDEADCBDC}" type="datetimeFigureOut">
               <a:rPr lang="en-US" dirty="0"/>
-              <a:t>2/24/2020</a:t>
+              <a:t>4/29/2020</a:t>
             </a:fld>
             <a:endParaRPr lang="en-US" dirty="0"/>
           </a:p>
@@ -8488,7 +8488,7 @@
             <a:fld id="{B61BEF0D-F0BB-DE4B-95CE-6DB70DBA9567}" type="datetimeFigureOut">
               <a:rPr lang="en-US" dirty="0"/>
               <a:pPr/>
-              <a:t>2/24/2020</a:t>
+              <a:t>4/29/2020</a:t>
             </a:fld>
             <a:endParaRPr lang="en-US" dirty="0"/>
           </a:p>
@@ -8716,7 +8716,7 @@
           <a:p>
             <a:fld id="{42A54C80-263E-416B-A8E0-580EDEADCBDC}" type="datetimeFigureOut">
               <a:rPr lang="en-US" dirty="0"/>
-              <a:t>2/24/2020</a:t>
+              <a:t>4/29/2020</a:t>
             </a:fld>
             <a:endParaRPr lang="en-US" dirty="0"/>
           </a:p>
@@ -9086,7 +9086,7 @@
             <a:fld id="{B61BEF0D-F0BB-DE4B-95CE-6DB70DBA9567}" type="datetimeFigureOut">
               <a:rPr lang="en-US" dirty="0"/>
               <a:pPr/>
-              <a:t>2/24/2020</a:t>
+              <a:t>4/29/2020</a:t>
             </a:fld>
             <a:endParaRPr lang="en-US" dirty="0"/>
           </a:p>
@@ -9206,7 +9206,7 @@
             <a:fld id="{B61BEF0D-F0BB-DE4B-95CE-6DB70DBA9567}" type="datetimeFigureOut">
               <a:rPr lang="en-US" dirty="0"/>
               <a:pPr/>
-              <a:t>2/24/2020</a:t>
+              <a:t>4/29/2020</a:t>
             </a:fld>
             <a:endParaRPr lang="en-US" dirty="0"/>
           </a:p>
@@ -9298,7 +9298,7 @@
             <a:fld id="{B61BEF0D-F0BB-DE4B-95CE-6DB70DBA9567}" type="datetimeFigureOut">
               <a:rPr lang="en-US" dirty="0"/>
               <a:pPr/>
-              <a:t>2/24/2020</a:t>
+              <a:t>4/29/2020</a:t>
             </a:fld>
             <a:endParaRPr lang="en-US" dirty="0"/>
           </a:p>
@@ -9549,7 +9549,7 @@
           <a:p>
             <a:fld id="{42A54C80-263E-416B-A8E0-580EDEADCBDC}" type="datetimeFigureOut">
               <a:rPr lang="en-US" dirty="0"/>
-              <a:t>2/24/2020</a:t>
+              <a:t>4/29/2020</a:t>
             </a:fld>
             <a:endParaRPr lang="en-US" dirty="0"/>
           </a:p>
@@ -9851,7 +9851,7 @@
             <a:fld id="{B61BEF0D-F0BB-DE4B-95CE-6DB70DBA9567}" type="datetimeFigureOut">
               <a:rPr lang="en-US" dirty="0"/>
               <a:pPr/>
-              <a:t>2/24/2020</a:t>
+              <a:t>4/29/2020</a:t>
             </a:fld>
             <a:endParaRPr lang="en-US" dirty="0"/>
           </a:p>
@@ -10549,7 +10549,7 @@
             <a:fld id="{B61BEF0D-F0BB-DE4B-95CE-6DB70DBA9567}" type="datetimeFigureOut">
               <a:rPr lang="en-US" dirty="0"/>
               <a:pPr/>
-              <a:t>2/24/2020</a:t>
+              <a:t>4/29/2020</a:t>
             </a:fld>
             <a:endParaRPr lang="en-US" dirty="0"/>
           </a:p>
@@ -11056,6 +11056,14 @@
 <file path=ppt/slides/slide1.xml><?xml version="1.0" encoding="utf-8"?>
 <p:sld xmlns:a="http://schemas.openxmlformats.org/drawingml/2006/main" xmlns:r="http://schemas.openxmlformats.org/officeDocument/2006/relationships" xmlns:p="http://schemas.openxmlformats.org/presentationml/2006/main">
   <p:cSld>
+    <p:bg>
+      <p:bgPr>
+        <a:solidFill>
+          <a:schemeClr val="bg1"/>
+        </a:solidFill>
+        <a:effectLst/>
+      </p:bgPr>
+    </p:bg>
     <p:spTree>
       <p:nvGrpSpPr>
         <p:cNvPr id="1" name=""/>
@@ -11070,6 +11078,68 @@
           <a:chExt cx="0" cy="0"/>
         </a:xfrm>
       </p:grpSpPr>
+      <p:pic>
+        <p:nvPicPr>
+          <p:cNvPr id="28" name="Picture 27">
+            <a:extLst>
+              <a:ext uri="{FF2B5EF4-FFF2-40B4-BE49-F238E27FC236}">
+                <a16:creationId xmlns:a16="http://schemas.microsoft.com/office/drawing/2014/main" id="{FADF2EC8-51E3-4307-A55C-A0D2F7A38F38}"/>
+              </a:ext>
+            </a:extLst>
+          </p:cNvPr>
+          <p:cNvPicPr>
+            <a:picLocks noChangeAspect="1"/>
+          </p:cNvPicPr>
+          <p:nvPr/>
+        </p:nvPicPr>
+        <p:blipFill>
+          <a:blip r:embed="rId2">
+            <a:extLst>
+              <a:ext uri="{837473B0-CC2E-450A-ABE3-18F120FF3D39}">
+                <a1611:picAttrSrcUrl xmlns:a1611="http://schemas.microsoft.com/office/drawing/2016/11/main" r:id="rId3"/>
+              </a:ext>
+            </a:extLst>
+          </a:blip>
+          <a:srcRect/>
+          <a:stretch/>
+        </p:blipFill>
+        <p:spPr>
+          <a:xfrm>
+            <a:off x="19" y="0"/>
+            <a:ext cx="5573123" cy="5632173"/>
+          </a:xfrm>
+          <a:custGeom>
+            <a:avLst/>
+            <a:gdLst/>
+            <a:ahLst/>
+            <a:cxnLst/>
+            <a:rect l="l" t="t" r="r" b="b"/>
+            <a:pathLst>
+              <a:path w="5394960" h="6858000">
+                <a:moveTo>
+                  <a:pt x="842596" y="0"/>
+                </a:moveTo>
+                <a:lnTo>
+                  <a:pt x="5394960" y="0"/>
+                </a:lnTo>
+                <a:lnTo>
+                  <a:pt x="5394960" y="21851"/>
+                </a:lnTo>
+                <a:lnTo>
+                  <a:pt x="4365943" y="6858000"/>
+                </a:lnTo>
+                <a:lnTo>
+                  <a:pt x="0" y="6858000"/>
+                </a:lnTo>
+                <a:lnTo>
+                  <a:pt x="0" y="5666154"/>
+                </a:lnTo>
+                <a:close/>
+              </a:path>
+            </a:pathLst>
+          </a:custGeom>
+        </p:spPr>
+      </p:pic>
       <p:sp>
         <p:nvSpPr>
           <p:cNvPr id="2" name="Title 1">
@@ -11088,14 +11158,21 @@
         </p:nvSpPr>
         <p:spPr>
           <a:xfrm>
-            <a:off x="768626" y="2404534"/>
-            <a:ext cx="9037983" cy="1646302"/>
+            <a:off x="5380563" y="1678665"/>
+            <a:ext cx="4320028" cy="2372168"/>
           </a:xfrm>
         </p:spPr>
         <p:txBody>
-          <a:bodyPr/>
+          <a:bodyPr>
+            <a:normAutofit/>
+          </a:bodyPr>
           <a:lstStyle/>
           <a:p>
+            <a:pPr algn="l">
+              <a:lnSpc>
+                <a:spcPct val="90000"/>
+              </a:lnSpc>
+            </a:pPr>
             <a:r>
               <a:rPr lang="en-US" dirty="0"/>
               <a:t>Git: </a:t>
@@ -11104,31 +11181,6 @@
               <a:rPr lang="es-SV" dirty="0"/>
               <a:t>Fundamentos</a:t>
             </a:r>
-          </a:p>
-        </p:txBody>
-      </p:sp>
-      <p:sp>
-        <p:nvSpPr>
-          <p:cNvPr id="3" name="Subtitle 2">
-            <a:extLst>
-              <a:ext uri="{FF2B5EF4-FFF2-40B4-BE49-F238E27FC236}">
-                <a16:creationId xmlns:a16="http://schemas.microsoft.com/office/drawing/2014/main" id="{97923DEC-9E66-47E9-9D05-A9FA71739753}"/>
-              </a:ext>
-            </a:extLst>
-          </p:cNvPr>
-          <p:cNvSpPr>
-            <a:spLocks noGrp="1"/>
-          </p:cNvSpPr>
-          <p:nvPr>
-            <p:ph type="subTitle" idx="1"/>
-          </p:nvPr>
-        </p:nvSpPr>
-        <p:spPr/>
-        <p:txBody>
-          <a:bodyPr/>
-          <a:lstStyle/>
-          <a:p>
-            <a:endParaRPr lang="es-SV" dirty="0"/>
           </a:p>
         </p:txBody>
       </p:sp>
@@ -22413,6 +22465,1577 @@
       </p:grpSpPr>
       <p:grpSp>
         <p:nvGrpSpPr>
+          <p:cNvPr id="10" name="Group 9">
+            <a:extLst>
+              <a:ext uri="{FF2B5EF4-FFF2-40B4-BE49-F238E27FC236}">
+                <a16:creationId xmlns:a16="http://schemas.microsoft.com/office/drawing/2014/main" id="{76582886-877C-4AEC-A77F-8055EB9A0CF9}"/>
+              </a:ext>
+              <a:ext uri="{C183D7F6-B498-43B3-948B-1728B52AA6E4}">
+                <adec:decorative xmlns:adec="http://schemas.microsoft.com/office/drawing/2017/decorative" val="1"/>
+              </a:ext>
+            </a:extLst>
+          </p:cNvPr>
+          <p:cNvGrpSpPr>
+            <a:grpSpLocks noGrp="1" noUngrp="1" noRot="1" noChangeAspect="1" noMove="1" noResize="1"/>
+          </p:cNvGrpSpPr>
+          <p:nvPr>
+            <p:extLst>
+              <p:ext uri="{386F3935-93C4-4BCD-93E2-E3B085C9AB24}">
+                <p16:designElem xmlns:p16="http://schemas.microsoft.com/office/powerpoint/2015/main" val="1"/>
+              </p:ext>
+            </p:extLst>
+          </p:nvPr>
+        </p:nvGrpSpPr>
+        <p:grpSpPr>
+          <a:xfrm>
+            <a:off x="0" y="-8467"/>
+            <a:ext cx="12192000" cy="6866467"/>
+            <a:chOff x="0" y="-8467"/>
+            <a:chExt cx="12192000" cy="6866467"/>
+          </a:xfrm>
+        </p:grpSpPr>
+        <p:sp>
+          <p:nvSpPr>
+            <p:cNvPr id="11" name="Freeform 14">
+              <a:extLst>
+                <a:ext uri="{FF2B5EF4-FFF2-40B4-BE49-F238E27FC236}">
+                  <a16:creationId xmlns:a16="http://schemas.microsoft.com/office/drawing/2014/main" id="{171A838D-27EA-485C-9A80-DCE624AB30B2}"/>
+                </a:ext>
+                <a:ext uri="{C183D7F6-B498-43B3-948B-1728B52AA6E4}">
+                  <adec:decorative xmlns:adec="http://schemas.microsoft.com/office/drawing/2017/decorative" val="1"/>
+                </a:ext>
+              </a:extLst>
+            </p:cNvPr>
+            <p:cNvSpPr/>
+            <p:nvPr>
+              <p:extLst>
+                <p:ext uri="{386F3935-93C4-4BCD-93E2-E3B085C9AB24}">
+                  <p16:designElem xmlns:p16="http://schemas.microsoft.com/office/powerpoint/2015/main" val="1"/>
+                </p:ext>
+              </p:extLst>
+            </p:nvPr>
+          </p:nvSpPr>
+          <p:spPr>
+            <a:xfrm>
+              <a:off x="0" y="-7862"/>
+              <a:ext cx="863600" cy="5698067"/>
+            </a:xfrm>
+            <a:custGeom>
+              <a:avLst/>
+              <a:gdLst/>
+              <a:ahLst/>
+              <a:cxnLst/>
+              <a:rect l="l" t="t" r="r" b="b"/>
+              <a:pathLst>
+                <a:path w="863600" h="5698067">
+                  <a:moveTo>
+                    <a:pt x="0" y="8467"/>
+                  </a:moveTo>
+                  <a:lnTo>
+                    <a:pt x="863600" y="0"/>
+                  </a:lnTo>
+                  <a:lnTo>
+                    <a:pt x="863600" y="16934"/>
+                  </a:lnTo>
+                  <a:lnTo>
+                    <a:pt x="0" y="5698067"/>
+                  </a:lnTo>
+                  <a:lnTo>
+                    <a:pt x="0" y="8467"/>
+                  </a:lnTo>
+                  <a:close/>
+                </a:path>
+              </a:pathLst>
+            </a:custGeom>
+            <a:solidFill>
+              <a:schemeClr val="accent1">
+                <a:alpha val="70000"/>
+              </a:schemeClr>
+            </a:solidFill>
+            <a:ln>
+              <a:noFill/>
+            </a:ln>
+            <a:effectLst/>
+          </p:spPr>
+          <p:style>
+            <a:lnRef idx="1">
+              <a:schemeClr val="accent1"/>
+            </a:lnRef>
+            <a:fillRef idx="3">
+              <a:schemeClr val="accent1"/>
+            </a:fillRef>
+            <a:effectRef idx="2">
+              <a:schemeClr val="accent1"/>
+            </a:effectRef>
+            <a:fontRef idx="minor">
+              <a:schemeClr val="lt1"/>
+            </a:fontRef>
+          </p:style>
+        </p:sp>
+        <p:cxnSp>
+          <p:nvCxnSpPr>
+            <p:cNvPr id="12" name="Straight Connector 11">
+              <a:extLst>
+                <a:ext uri="{FF2B5EF4-FFF2-40B4-BE49-F238E27FC236}">
+                  <a16:creationId xmlns:a16="http://schemas.microsoft.com/office/drawing/2014/main" id="{9059F313-A1BB-425E-9626-2BD43CAC6489}"/>
+                </a:ext>
+                <a:ext uri="{C183D7F6-B498-43B3-948B-1728B52AA6E4}">
+                  <adec:decorative xmlns:adec="http://schemas.microsoft.com/office/drawing/2017/decorative" val="1"/>
+                </a:ext>
+              </a:extLst>
+            </p:cNvPr>
+            <p:cNvCxnSpPr/>
+            <p:nvPr>
+              <p:extLst>
+                <p:ext uri="{386F3935-93C4-4BCD-93E2-E3B085C9AB24}">
+                  <p16:designElem xmlns:p16="http://schemas.microsoft.com/office/powerpoint/2015/main" val="1"/>
+                </p:ext>
+              </p:extLst>
+            </p:nvPr>
+          </p:nvCxnSpPr>
+          <p:spPr>
+            <a:xfrm>
+              <a:off x="9371012" y="0"/>
+              <a:ext cx="1219200" cy="6858000"/>
+            </a:xfrm>
+            <a:prstGeom prst="line">
+              <a:avLst/>
+            </a:prstGeom>
+            <a:ln w="9525">
+              <a:solidFill>
+                <a:schemeClr val="accent1">
+                  <a:alpha val="70000"/>
+                </a:schemeClr>
+              </a:solidFill>
+            </a:ln>
+          </p:spPr>
+          <p:style>
+            <a:lnRef idx="2">
+              <a:schemeClr val="accent1"/>
+            </a:lnRef>
+            <a:fillRef idx="0">
+              <a:schemeClr val="accent1"/>
+            </a:fillRef>
+            <a:effectRef idx="1">
+              <a:schemeClr val="accent1"/>
+            </a:effectRef>
+            <a:fontRef idx="minor">
+              <a:schemeClr val="tx1"/>
+            </a:fontRef>
+          </p:style>
+        </p:cxnSp>
+        <p:cxnSp>
+          <p:nvCxnSpPr>
+            <p:cNvPr id="13" name="Straight Connector 12">
+              <a:extLst>
+                <a:ext uri="{FF2B5EF4-FFF2-40B4-BE49-F238E27FC236}">
+                  <a16:creationId xmlns:a16="http://schemas.microsoft.com/office/drawing/2014/main" id="{19ABF76A-A1AE-44BB-9ECB-D55D2FE29BF1}"/>
+                </a:ext>
+                <a:ext uri="{C183D7F6-B498-43B3-948B-1728B52AA6E4}">
+                  <adec:decorative xmlns:adec="http://schemas.microsoft.com/office/drawing/2017/decorative" val="1"/>
+                </a:ext>
+              </a:extLst>
+            </p:cNvPr>
+            <p:cNvCxnSpPr/>
+            <p:nvPr>
+              <p:extLst>
+                <p:ext uri="{386F3935-93C4-4BCD-93E2-E3B085C9AB24}">
+                  <p16:designElem xmlns:p16="http://schemas.microsoft.com/office/powerpoint/2015/main" val="1"/>
+                </p:ext>
+              </p:extLst>
+            </p:nvPr>
+          </p:nvCxnSpPr>
+          <p:spPr>
+            <a:xfrm flipH="1">
+              <a:off x="7425267" y="3681413"/>
+              <a:ext cx="4763558" cy="3176587"/>
+            </a:xfrm>
+            <a:prstGeom prst="line">
+              <a:avLst/>
+            </a:prstGeom>
+            <a:ln w="9525">
+              <a:solidFill>
+                <a:schemeClr val="accent1">
+                  <a:alpha val="70000"/>
+                </a:schemeClr>
+              </a:solidFill>
+            </a:ln>
+          </p:spPr>
+          <p:style>
+            <a:lnRef idx="2">
+              <a:schemeClr val="accent1"/>
+            </a:lnRef>
+            <a:fillRef idx="0">
+              <a:schemeClr val="accent1"/>
+            </a:fillRef>
+            <a:effectRef idx="1">
+              <a:schemeClr val="accent1"/>
+            </a:effectRef>
+            <a:fontRef idx="minor">
+              <a:schemeClr val="tx1"/>
+            </a:fontRef>
+          </p:style>
+        </p:cxnSp>
+        <p:sp>
+          <p:nvSpPr>
+            <p:cNvPr id="14" name="Rectangle 23">
+              <a:extLst>
+                <a:ext uri="{FF2B5EF4-FFF2-40B4-BE49-F238E27FC236}">
+                  <a16:creationId xmlns:a16="http://schemas.microsoft.com/office/drawing/2014/main" id="{5B6D2EC4-82D3-43B8-82D6-028CB4345618}"/>
+                </a:ext>
+                <a:ext uri="{C183D7F6-B498-43B3-948B-1728B52AA6E4}">
+                  <adec:decorative xmlns:adec="http://schemas.microsoft.com/office/drawing/2017/decorative" val="1"/>
+                </a:ext>
+              </a:extLst>
+            </p:cNvPr>
+            <p:cNvSpPr/>
+            <p:nvPr>
+              <p:extLst>
+                <p:ext uri="{386F3935-93C4-4BCD-93E2-E3B085C9AB24}">
+                  <p16:designElem xmlns:p16="http://schemas.microsoft.com/office/powerpoint/2015/main" val="1"/>
+                </p:ext>
+              </p:extLst>
+            </p:nvPr>
+          </p:nvSpPr>
+          <p:spPr>
+            <a:xfrm>
+              <a:off x="9181476" y="-8467"/>
+              <a:ext cx="3007349" cy="6866467"/>
+            </a:xfrm>
+            <a:custGeom>
+              <a:avLst/>
+              <a:gdLst/>
+              <a:ahLst/>
+              <a:cxnLst/>
+              <a:rect l="l" t="t" r="r" b="b"/>
+              <a:pathLst>
+                <a:path w="3007349" h="6866467">
+                  <a:moveTo>
+                    <a:pt x="2045532" y="0"/>
+                  </a:moveTo>
+                  <a:lnTo>
+                    <a:pt x="3007349" y="0"/>
+                  </a:lnTo>
+                  <a:lnTo>
+                    <a:pt x="3007349" y="6866467"/>
+                  </a:lnTo>
+                  <a:lnTo>
+                    <a:pt x="0" y="6866467"/>
+                  </a:lnTo>
+                  <a:lnTo>
+                    <a:pt x="2045532" y="0"/>
+                  </a:lnTo>
+                  <a:close/>
+                </a:path>
+              </a:pathLst>
+            </a:custGeom>
+            <a:solidFill>
+              <a:schemeClr val="accent1">
+                <a:alpha val="36000"/>
+              </a:schemeClr>
+            </a:solidFill>
+            <a:ln>
+              <a:noFill/>
+            </a:ln>
+            <a:effectLst/>
+          </p:spPr>
+          <p:style>
+            <a:lnRef idx="1">
+              <a:schemeClr val="accent1"/>
+            </a:lnRef>
+            <a:fillRef idx="3">
+              <a:schemeClr val="accent1"/>
+            </a:fillRef>
+            <a:effectRef idx="2">
+              <a:schemeClr val="accent1"/>
+            </a:effectRef>
+            <a:fontRef idx="minor">
+              <a:schemeClr val="lt1"/>
+            </a:fontRef>
+          </p:style>
+        </p:sp>
+        <p:sp>
+          <p:nvSpPr>
+            <p:cNvPr id="15" name="Rectangle 25">
+              <a:extLst>
+                <a:ext uri="{FF2B5EF4-FFF2-40B4-BE49-F238E27FC236}">
+                  <a16:creationId xmlns:a16="http://schemas.microsoft.com/office/drawing/2014/main" id="{520034CE-71F9-4E0F-94D8-99335CB85263}"/>
+                </a:ext>
+                <a:ext uri="{C183D7F6-B498-43B3-948B-1728B52AA6E4}">
+                  <adec:decorative xmlns:adec="http://schemas.microsoft.com/office/drawing/2017/decorative" val="1"/>
+                </a:ext>
+              </a:extLst>
+            </p:cNvPr>
+            <p:cNvSpPr/>
+            <p:nvPr>
+              <p:extLst>
+                <p:ext uri="{386F3935-93C4-4BCD-93E2-E3B085C9AB24}">
+                  <p16:designElem xmlns:p16="http://schemas.microsoft.com/office/powerpoint/2015/main" val="1"/>
+                </p:ext>
+              </p:extLst>
+            </p:nvPr>
+          </p:nvSpPr>
+          <p:spPr>
+            <a:xfrm>
+              <a:off x="9603442" y="-8467"/>
+              <a:ext cx="2588558" cy="6866467"/>
+            </a:xfrm>
+            <a:custGeom>
+              <a:avLst/>
+              <a:gdLst/>
+              <a:ahLst/>
+              <a:cxnLst/>
+              <a:rect l="l" t="t" r="r" b="b"/>
+              <a:pathLst>
+                <a:path w="2573311" h="6866467">
+                  <a:moveTo>
+                    <a:pt x="0" y="0"/>
+                  </a:moveTo>
+                  <a:lnTo>
+                    <a:pt x="2573311" y="0"/>
+                  </a:lnTo>
+                  <a:lnTo>
+                    <a:pt x="2573311" y="6866467"/>
+                  </a:lnTo>
+                  <a:lnTo>
+                    <a:pt x="1202336" y="6866467"/>
+                  </a:lnTo>
+                  <a:lnTo>
+                    <a:pt x="0" y="0"/>
+                  </a:lnTo>
+                  <a:close/>
+                </a:path>
+              </a:pathLst>
+            </a:custGeom>
+            <a:solidFill>
+              <a:schemeClr val="accent1">
+                <a:alpha val="20000"/>
+              </a:schemeClr>
+            </a:solidFill>
+            <a:ln>
+              <a:noFill/>
+            </a:ln>
+            <a:effectLst/>
+          </p:spPr>
+          <p:style>
+            <a:lnRef idx="1">
+              <a:schemeClr val="accent1"/>
+            </a:lnRef>
+            <a:fillRef idx="3">
+              <a:schemeClr val="accent1"/>
+            </a:fillRef>
+            <a:effectRef idx="2">
+              <a:schemeClr val="accent1"/>
+            </a:effectRef>
+            <a:fontRef idx="minor">
+              <a:schemeClr val="lt1"/>
+            </a:fontRef>
+          </p:style>
+        </p:sp>
+        <p:sp>
+          <p:nvSpPr>
+            <p:cNvPr id="16" name="Isosceles Triangle 15">
+              <a:extLst>
+                <a:ext uri="{FF2B5EF4-FFF2-40B4-BE49-F238E27FC236}">
+                  <a16:creationId xmlns:a16="http://schemas.microsoft.com/office/drawing/2014/main" id="{1926C6C0-16F7-4CDC-B481-2D19B2F3BF0C}"/>
+                </a:ext>
+                <a:ext uri="{C183D7F6-B498-43B3-948B-1728B52AA6E4}">
+                  <adec:decorative xmlns:adec="http://schemas.microsoft.com/office/drawing/2017/decorative" val="1"/>
+                </a:ext>
+              </a:extLst>
+            </p:cNvPr>
+            <p:cNvSpPr/>
+            <p:nvPr>
+              <p:extLst>
+                <p:ext uri="{386F3935-93C4-4BCD-93E2-E3B085C9AB24}">
+                  <p16:designElem xmlns:p16="http://schemas.microsoft.com/office/powerpoint/2015/main" val="1"/>
+                </p:ext>
+              </p:extLst>
+            </p:nvPr>
+          </p:nvSpPr>
+          <p:spPr>
+            <a:xfrm>
+              <a:off x="8932333" y="3048000"/>
+              <a:ext cx="3259667" cy="3810000"/>
+            </a:xfrm>
+            <a:prstGeom prst="triangle">
+              <a:avLst>
+                <a:gd name="adj" fmla="val 100000"/>
+              </a:avLst>
+            </a:prstGeom>
+            <a:solidFill>
+              <a:schemeClr val="accent1">
+                <a:lumMod val="75000"/>
+                <a:alpha val="66000"/>
+              </a:schemeClr>
+            </a:solidFill>
+            <a:ln>
+              <a:noFill/>
+            </a:ln>
+            <a:effectLst/>
+          </p:spPr>
+          <p:style>
+            <a:lnRef idx="1">
+              <a:schemeClr val="accent1"/>
+            </a:lnRef>
+            <a:fillRef idx="3">
+              <a:schemeClr val="accent1"/>
+            </a:fillRef>
+            <a:effectRef idx="2">
+              <a:schemeClr val="accent1"/>
+            </a:effectRef>
+            <a:fontRef idx="minor">
+              <a:schemeClr val="lt1"/>
+            </a:fontRef>
+          </p:style>
+        </p:sp>
+        <p:sp>
+          <p:nvSpPr>
+            <p:cNvPr id="17" name="Rectangle 27">
+              <a:extLst>
+                <a:ext uri="{FF2B5EF4-FFF2-40B4-BE49-F238E27FC236}">
+                  <a16:creationId xmlns:a16="http://schemas.microsoft.com/office/drawing/2014/main" id="{042CE423-CE6E-4EE9-91F2-3E40EFB40A35}"/>
+                </a:ext>
+                <a:ext uri="{C183D7F6-B498-43B3-948B-1728B52AA6E4}">
+                  <adec:decorative xmlns:adec="http://schemas.microsoft.com/office/drawing/2017/decorative" val="1"/>
+                </a:ext>
+              </a:extLst>
+            </p:cNvPr>
+            <p:cNvSpPr/>
+            <p:nvPr>
+              <p:extLst>
+                <p:ext uri="{386F3935-93C4-4BCD-93E2-E3B085C9AB24}">
+                  <p16:designElem xmlns:p16="http://schemas.microsoft.com/office/powerpoint/2015/main" val="1"/>
+                </p:ext>
+              </p:extLst>
+            </p:nvPr>
+          </p:nvSpPr>
+          <p:spPr>
+            <a:xfrm>
+              <a:off x="9334500" y="-8467"/>
+              <a:ext cx="2854326" cy="6866467"/>
+            </a:xfrm>
+            <a:custGeom>
+              <a:avLst/>
+              <a:gdLst/>
+              <a:ahLst/>
+              <a:cxnLst/>
+              <a:rect l="l" t="t" r="r" b="b"/>
+              <a:pathLst>
+                <a:path w="2858013" h="6866467">
+                  <a:moveTo>
+                    <a:pt x="0" y="0"/>
+                  </a:moveTo>
+                  <a:lnTo>
+                    <a:pt x="2858013" y="0"/>
+                  </a:lnTo>
+                  <a:lnTo>
+                    <a:pt x="2858013" y="6866467"/>
+                  </a:lnTo>
+                  <a:lnTo>
+                    <a:pt x="2473942" y="6866467"/>
+                  </a:lnTo>
+                  <a:lnTo>
+                    <a:pt x="0" y="0"/>
+                  </a:lnTo>
+                  <a:close/>
+                </a:path>
+              </a:pathLst>
+            </a:custGeom>
+            <a:solidFill>
+              <a:schemeClr val="accent1">
+                <a:lumMod val="75000"/>
+                <a:alpha val="50000"/>
+              </a:schemeClr>
+            </a:solidFill>
+            <a:ln>
+              <a:noFill/>
+            </a:ln>
+            <a:effectLst/>
+          </p:spPr>
+          <p:style>
+            <a:lnRef idx="1">
+              <a:schemeClr val="accent1"/>
+            </a:lnRef>
+            <a:fillRef idx="3">
+              <a:schemeClr val="accent1"/>
+            </a:fillRef>
+            <a:effectRef idx="2">
+              <a:schemeClr val="accent1"/>
+            </a:effectRef>
+            <a:fontRef idx="minor">
+              <a:schemeClr val="lt1"/>
+            </a:fontRef>
+          </p:style>
+        </p:sp>
+        <p:sp>
+          <p:nvSpPr>
+            <p:cNvPr id="18" name="Rectangle 28">
+              <a:extLst>
+                <a:ext uri="{FF2B5EF4-FFF2-40B4-BE49-F238E27FC236}">
+                  <a16:creationId xmlns:a16="http://schemas.microsoft.com/office/drawing/2014/main" id="{699BB4BD-31D7-434C-A6DB-E2CF3ACF6053}"/>
+                </a:ext>
+                <a:ext uri="{C183D7F6-B498-43B3-948B-1728B52AA6E4}">
+                  <adec:decorative xmlns:adec="http://schemas.microsoft.com/office/drawing/2017/decorative" val="1"/>
+                </a:ext>
+              </a:extLst>
+            </p:cNvPr>
+            <p:cNvSpPr/>
+            <p:nvPr>
+              <p:extLst>
+                <p:ext uri="{386F3935-93C4-4BCD-93E2-E3B085C9AB24}">
+                  <p16:designElem xmlns:p16="http://schemas.microsoft.com/office/powerpoint/2015/main" val="1"/>
+                </p:ext>
+              </p:extLst>
+            </p:nvPr>
+          </p:nvSpPr>
+          <p:spPr>
+            <a:xfrm>
+              <a:off x="10898730" y="-8467"/>
+              <a:ext cx="1290094" cy="6866467"/>
+            </a:xfrm>
+            <a:custGeom>
+              <a:avLst/>
+              <a:gdLst/>
+              <a:ahLst/>
+              <a:cxnLst/>
+              <a:rect l="l" t="t" r="r" b="b"/>
+              <a:pathLst>
+                <a:path w="1290094" h="6858000">
+                  <a:moveTo>
+                    <a:pt x="1019735" y="0"/>
+                  </a:moveTo>
+                  <a:lnTo>
+                    <a:pt x="1290094" y="0"/>
+                  </a:lnTo>
+                  <a:lnTo>
+                    <a:pt x="1290094" y="6858000"/>
+                  </a:lnTo>
+                  <a:lnTo>
+                    <a:pt x="0" y="6858000"/>
+                  </a:lnTo>
+                  <a:lnTo>
+                    <a:pt x="1019735" y="0"/>
+                  </a:lnTo>
+                  <a:close/>
+                </a:path>
+              </a:pathLst>
+            </a:custGeom>
+            <a:solidFill>
+              <a:schemeClr val="accent2">
+                <a:alpha val="70000"/>
+              </a:schemeClr>
+            </a:solidFill>
+            <a:ln>
+              <a:noFill/>
+            </a:ln>
+            <a:effectLst/>
+          </p:spPr>
+          <p:style>
+            <a:lnRef idx="1">
+              <a:schemeClr val="accent1"/>
+            </a:lnRef>
+            <a:fillRef idx="3">
+              <a:schemeClr val="accent1"/>
+            </a:fillRef>
+            <a:effectRef idx="2">
+              <a:schemeClr val="accent1"/>
+            </a:effectRef>
+            <a:fontRef idx="minor">
+              <a:schemeClr val="lt1"/>
+            </a:fontRef>
+          </p:style>
+        </p:sp>
+        <p:sp>
+          <p:nvSpPr>
+            <p:cNvPr id="19" name="Rectangle 29">
+              <a:extLst>
+                <a:ext uri="{FF2B5EF4-FFF2-40B4-BE49-F238E27FC236}">
+                  <a16:creationId xmlns:a16="http://schemas.microsoft.com/office/drawing/2014/main" id="{23D406B8-656A-4D8B-91D0-BF4202C86FEF}"/>
+                </a:ext>
+                <a:ext uri="{C183D7F6-B498-43B3-948B-1728B52AA6E4}">
+                  <adec:decorative xmlns:adec="http://schemas.microsoft.com/office/drawing/2017/decorative" val="1"/>
+                </a:ext>
+              </a:extLst>
+            </p:cNvPr>
+            <p:cNvSpPr/>
+            <p:nvPr>
+              <p:extLst>
+                <p:ext uri="{386F3935-93C4-4BCD-93E2-E3B085C9AB24}">
+                  <p16:designElem xmlns:p16="http://schemas.microsoft.com/office/powerpoint/2015/main" val="1"/>
+                </p:ext>
+              </p:extLst>
+            </p:nvPr>
+          </p:nvSpPr>
+          <p:spPr>
+            <a:xfrm>
+              <a:off x="10938999" y="-8467"/>
+              <a:ext cx="1249825" cy="6866467"/>
+            </a:xfrm>
+            <a:custGeom>
+              <a:avLst/>
+              <a:gdLst/>
+              <a:ahLst/>
+              <a:cxnLst/>
+              <a:rect l="l" t="t" r="r" b="b"/>
+              <a:pathLst>
+                <a:path w="1249825" h="6858000">
+                  <a:moveTo>
+                    <a:pt x="0" y="0"/>
+                  </a:moveTo>
+                  <a:lnTo>
+                    <a:pt x="1249825" y="0"/>
+                  </a:lnTo>
+                  <a:lnTo>
+                    <a:pt x="1249825" y="6858000"/>
+                  </a:lnTo>
+                  <a:lnTo>
+                    <a:pt x="1109382" y="6858000"/>
+                  </a:lnTo>
+                  <a:lnTo>
+                    <a:pt x="0" y="0"/>
+                  </a:lnTo>
+                  <a:close/>
+                </a:path>
+              </a:pathLst>
+            </a:custGeom>
+            <a:solidFill>
+              <a:schemeClr val="accent2">
+                <a:lumMod val="75000"/>
+                <a:alpha val="80000"/>
+              </a:schemeClr>
+            </a:solidFill>
+            <a:ln>
+              <a:noFill/>
+            </a:ln>
+            <a:effectLst/>
+          </p:spPr>
+          <p:style>
+            <a:lnRef idx="1">
+              <a:schemeClr val="accent1"/>
+            </a:lnRef>
+            <a:fillRef idx="3">
+              <a:schemeClr val="accent1"/>
+            </a:fillRef>
+            <a:effectRef idx="2">
+              <a:schemeClr val="accent1"/>
+            </a:effectRef>
+            <a:fontRef idx="minor">
+              <a:schemeClr val="lt1"/>
+            </a:fontRef>
+          </p:style>
+        </p:sp>
+        <p:sp>
+          <p:nvSpPr>
+            <p:cNvPr id="20" name="Isosceles Triangle 19">
+              <a:extLst>
+                <a:ext uri="{FF2B5EF4-FFF2-40B4-BE49-F238E27FC236}">
+                  <a16:creationId xmlns:a16="http://schemas.microsoft.com/office/drawing/2014/main" id="{83F4BFB6-D6B8-446C-8E17-3D54DCA9FF23}"/>
+                </a:ext>
+                <a:ext uri="{C183D7F6-B498-43B3-948B-1728B52AA6E4}">
+                  <adec:decorative xmlns:adec="http://schemas.microsoft.com/office/drawing/2017/decorative" val="1"/>
+                </a:ext>
+              </a:extLst>
+            </p:cNvPr>
+            <p:cNvSpPr/>
+            <p:nvPr>
+              <p:extLst>
+                <p:ext uri="{386F3935-93C4-4BCD-93E2-E3B085C9AB24}">
+                  <p16:designElem xmlns:p16="http://schemas.microsoft.com/office/powerpoint/2015/main" val="1"/>
+                </p:ext>
+              </p:extLst>
+            </p:nvPr>
+          </p:nvSpPr>
+          <p:spPr>
+            <a:xfrm>
+              <a:off x="10371666" y="3589867"/>
+              <a:ext cx="1817159" cy="3268133"/>
+            </a:xfrm>
+            <a:prstGeom prst="triangle">
+              <a:avLst>
+                <a:gd name="adj" fmla="val 100000"/>
+              </a:avLst>
+            </a:prstGeom>
+            <a:solidFill>
+              <a:schemeClr val="accent1">
+                <a:lumMod val="75000"/>
+                <a:alpha val="66000"/>
+              </a:schemeClr>
+            </a:solidFill>
+            <a:ln>
+              <a:noFill/>
+            </a:ln>
+            <a:effectLst/>
+          </p:spPr>
+          <p:style>
+            <a:lnRef idx="1">
+              <a:schemeClr val="accent1"/>
+            </a:lnRef>
+            <a:fillRef idx="3">
+              <a:schemeClr val="accent1"/>
+            </a:fillRef>
+            <a:effectRef idx="2">
+              <a:schemeClr val="accent1"/>
+            </a:effectRef>
+            <a:fontRef idx="minor">
+              <a:schemeClr val="lt1"/>
+            </a:fontRef>
+          </p:style>
+        </p:sp>
+      </p:grpSp>
+      <p:sp useBgFill="1">
+        <p:nvSpPr>
+          <p:cNvPr id="22" name="Rectangle 21">
+            <a:extLst>
+              <a:ext uri="{FF2B5EF4-FFF2-40B4-BE49-F238E27FC236}">
+                <a16:creationId xmlns:a16="http://schemas.microsoft.com/office/drawing/2014/main" id="{0ADFFC45-3DC9-4433-926F-043E879D9DFC}"/>
+              </a:ext>
+              <a:ext uri="{C183D7F6-B498-43B3-948B-1728B52AA6E4}">
+                <adec:decorative xmlns:adec="http://schemas.microsoft.com/office/drawing/2017/decorative" val="1"/>
+              </a:ext>
+            </a:extLst>
+          </p:cNvPr>
+          <p:cNvSpPr>
+            <a:spLocks noGrp="1" noRot="1" noChangeAspect="1" noMove="1" noResize="1" noEditPoints="1" noAdjustHandles="1" noChangeArrowheads="1" noChangeShapeType="1" noTextEdit="1"/>
+          </p:cNvSpPr>
+          <p:nvPr>
+            <p:extLst>
+              <p:ext uri="{386F3935-93C4-4BCD-93E2-E3B085C9AB24}">
+                <p16:designElem xmlns:p16="http://schemas.microsoft.com/office/powerpoint/2015/main" val="1"/>
+              </p:ext>
+            </p:extLst>
+          </p:nvPr>
+        </p:nvSpPr>
+        <p:spPr>
+          <a:xfrm>
+            <a:off x="0" y="0"/>
+            <a:ext cx="12192000" cy="6858000"/>
+          </a:xfrm>
+          <a:prstGeom prst="rect">
+            <a:avLst/>
+          </a:prstGeom>
+          <a:ln>
+            <a:noFill/>
+          </a:ln>
+        </p:spPr>
+        <p:style>
+          <a:lnRef idx="2">
+            <a:schemeClr val="accent1">
+              <a:shade val="50000"/>
+            </a:schemeClr>
+          </a:lnRef>
+          <a:fillRef idx="1">
+            <a:schemeClr val="accent1"/>
+          </a:fillRef>
+          <a:effectRef idx="0">
+            <a:schemeClr val="accent1"/>
+          </a:effectRef>
+          <a:fontRef idx="minor">
+            <a:schemeClr val="lt1"/>
+          </a:fontRef>
+        </p:style>
+        <p:txBody>
+          <a:bodyPr rtlCol="0" anchor="ctr"/>
+          <a:lstStyle/>
+          <a:p>
+            <a:pPr algn="ctr"/>
+            <a:endParaRPr lang="en-US" dirty="0"/>
+          </a:p>
+        </p:txBody>
+      </p:sp>
+      <p:grpSp>
+        <p:nvGrpSpPr>
+          <p:cNvPr id="24" name="Group 23">
+            <a:extLst>
+              <a:ext uri="{FF2B5EF4-FFF2-40B4-BE49-F238E27FC236}">
+                <a16:creationId xmlns:a16="http://schemas.microsoft.com/office/drawing/2014/main" id="{B5F26A87-0610-435F-AA13-BD658385C9D9}"/>
+              </a:ext>
+              <a:ext uri="{C183D7F6-B498-43B3-948B-1728B52AA6E4}">
+                <adec:decorative xmlns:adec="http://schemas.microsoft.com/office/drawing/2017/decorative" val="1"/>
+              </a:ext>
+            </a:extLst>
+          </p:cNvPr>
+          <p:cNvGrpSpPr>
+            <a:grpSpLocks noGrp="1" noUngrp="1" noRot="1" noChangeAspect="1" noMove="1" noResize="1"/>
+          </p:cNvGrpSpPr>
+          <p:nvPr>
+            <p:extLst>
+              <p:ext uri="{386F3935-93C4-4BCD-93E2-E3B085C9AB24}">
+                <p16:designElem xmlns:p16="http://schemas.microsoft.com/office/powerpoint/2015/main" val="1"/>
+              </p:ext>
+            </p:extLst>
+          </p:nvPr>
+        </p:nvGrpSpPr>
+        <p:grpSpPr>
+          <a:xfrm>
+            <a:off x="4267230" y="-8468"/>
+            <a:ext cx="4763558" cy="6866467"/>
+            <a:chOff x="67175" y="-8467"/>
+            <a:chExt cx="4763558" cy="6866467"/>
+          </a:xfrm>
+        </p:grpSpPr>
+        <p:cxnSp>
+          <p:nvCxnSpPr>
+            <p:cNvPr id="25" name="Straight Connector 24">
+              <a:extLst>
+                <a:ext uri="{FF2B5EF4-FFF2-40B4-BE49-F238E27FC236}">
+                  <a16:creationId xmlns:a16="http://schemas.microsoft.com/office/drawing/2014/main" id="{E6321436-5AAD-4FB6-BB0D-316D4540E82A}"/>
+                </a:ext>
+                <a:ext uri="{C183D7F6-B498-43B3-948B-1728B52AA6E4}">
+                  <adec:decorative xmlns:adec="http://schemas.microsoft.com/office/drawing/2017/decorative" val="1"/>
+                </a:ext>
+              </a:extLst>
+            </p:cNvPr>
+            <p:cNvCxnSpPr/>
+            <p:nvPr>
+              <p:extLst>
+                <p:ext uri="{386F3935-93C4-4BCD-93E2-E3B085C9AB24}">
+                  <p16:designElem xmlns:p16="http://schemas.microsoft.com/office/powerpoint/2015/main" val="1"/>
+                </p:ext>
+              </p:extLst>
+            </p:nvPr>
+          </p:nvCxnSpPr>
+          <p:spPr>
+            <a:xfrm>
+              <a:off x="1448300" y="0"/>
+              <a:ext cx="1219200" cy="6858000"/>
+            </a:xfrm>
+            <a:prstGeom prst="line">
+              <a:avLst/>
+            </a:prstGeom>
+            <a:ln w="9525">
+              <a:solidFill>
+                <a:schemeClr val="accent1">
+                  <a:lumMod val="75000"/>
+                </a:schemeClr>
+              </a:solidFill>
+            </a:ln>
+          </p:spPr>
+          <p:style>
+            <a:lnRef idx="2">
+              <a:schemeClr val="accent1"/>
+            </a:lnRef>
+            <a:fillRef idx="0">
+              <a:schemeClr val="accent1"/>
+            </a:fillRef>
+            <a:effectRef idx="1">
+              <a:schemeClr val="accent1"/>
+            </a:effectRef>
+            <a:fontRef idx="minor">
+              <a:schemeClr val="tx1"/>
+            </a:fontRef>
+          </p:style>
+        </p:cxnSp>
+        <p:cxnSp>
+          <p:nvCxnSpPr>
+            <p:cNvPr id="26" name="Straight Connector 25">
+              <a:extLst>
+                <a:ext uri="{FF2B5EF4-FFF2-40B4-BE49-F238E27FC236}">
+                  <a16:creationId xmlns:a16="http://schemas.microsoft.com/office/drawing/2014/main" id="{94B0BD33-3D46-4F43-947A-825DFEF6106A}"/>
+                </a:ext>
+                <a:ext uri="{C183D7F6-B498-43B3-948B-1728B52AA6E4}">
+                  <adec:decorative xmlns:adec="http://schemas.microsoft.com/office/drawing/2017/decorative" val="1"/>
+                </a:ext>
+              </a:extLst>
+            </p:cNvPr>
+            <p:cNvCxnSpPr/>
+            <p:nvPr>
+              <p:extLst>
+                <p:ext uri="{386F3935-93C4-4BCD-93E2-E3B085C9AB24}">
+                  <p16:designElem xmlns:p16="http://schemas.microsoft.com/office/powerpoint/2015/main" val="1"/>
+                </p:ext>
+              </p:extLst>
+            </p:nvPr>
+          </p:nvCxnSpPr>
+          <p:spPr>
+            <a:xfrm flipH="1">
+              <a:off x="67175" y="3681413"/>
+              <a:ext cx="4763558" cy="3176587"/>
+            </a:xfrm>
+            <a:prstGeom prst="line">
+              <a:avLst/>
+            </a:prstGeom>
+            <a:ln w="9525">
+              <a:solidFill>
+                <a:schemeClr val="tx1">
+                  <a:lumMod val="50000"/>
+                  <a:lumOff val="50000"/>
+                  <a:alpha val="80000"/>
+                </a:schemeClr>
+              </a:solidFill>
+            </a:ln>
+          </p:spPr>
+          <p:style>
+            <a:lnRef idx="2">
+              <a:schemeClr val="accent1"/>
+            </a:lnRef>
+            <a:fillRef idx="0">
+              <a:schemeClr val="accent1"/>
+            </a:fillRef>
+            <a:effectRef idx="1">
+              <a:schemeClr val="accent1"/>
+            </a:effectRef>
+            <a:fontRef idx="minor">
+              <a:schemeClr val="tx1"/>
+            </a:fontRef>
+          </p:style>
+        </p:cxnSp>
+        <p:sp>
+          <p:nvSpPr>
+            <p:cNvPr id="27" name="Rectangle 23">
+              <a:extLst>
+                <a:ext uri="{FF2B5EF4-FFF2-40B4-BE49-F238E27FC236}">
+                  <a16:creationId xmlns:a16="http://schemas.microsoft.com/office/drawing/2014/main" id="{92E26C27-E1F5-47DC-9F83-469D196C55D0}"/>
+                </a:ext>
+                <a:ext uri="{C183D7F6-B498-43B3-948B-1728B52AA6E4}">
+                  <adec:decorative xmlns:adec="http://schemas.microsoft.com/office/drawing/2017/decorative" val="1"/>
+                </a:ext>
+              </a:extLst>
+            </p:cNvPr>
+            <p:cNvSpPr/>
+            <p:nvPr>
+              <p:extLst>
+                <p:ext uri="{386F3935-93C4-4BCD-93E2-E3B085C9AB24}">
+                  <p16:designElem xmlns:p16="http://schemas.microsoft.com/office/powerpoint/2015/main" val="1"/>
+                </p:ext>
+              </p:extLst>
+            </p:nvPr>
+          </p:nvSpPr>
+          <p:spPr>
+            <a:xfrm>
+              <a:off x="1258764" y="-8467"/>
+              <a:ext cx="3007349" cy="6866467"/>
+            </a:xfrm>
+            <a:custGeom>
+              <a:avLst/>
+              <a:gdLst/>
+              <a:ahLst/>
+              <a:cxnLst/>
+              <a:rect l="l" t="t" r="r" b="b"/>
+              <a:pathLst>
+                <a:path w="3007349" h="6866467">
+                  <a:moveTo>
+                    <a:pt x="2045532" y="0"/>
+                  </a:moveTo>
+                  <a:lnTo>
+                    <a:pt x="3007349" y="0"/>
+                  </a:lnTo>
+                  <a:lnTo>
+                    <a:pt x="3007349" y="6866467"/>
+                  </a:lnTo>
+                  <a:lnTo>
+                    <a:pt x="0" y="6866467"/>
+                  </a:lnTo>
+                  <a:lnTo>
+                    <a:pt x="2045532" y="0"/>
+                  </a:lnTo>
+                  <a:close/>
+                </a:path>
+              </a:pathLst>
+            </a:custGeom>
+            <a:solidFill>
+              <a:schemeClr val="accent1">
+                <a:alpha val="30000"/>
+              </a:schemeClr>
+            </a:solidFill>
+            <a:ln>
+              <a:noFill/>
+            </a:ln>
+            <a:effectLst/>
+          </p:spPr>
+          <p:style>
+            <a:lnRef idx="1">
+              <a:schemeClr val="accent1"/>
+            </a:lnRef>
+            <a:fillRef idx="3">
+              <a:schemeClr val="accent1"/>
+            </a:fillRef>
+            <a:effectRef idx="2">
+              <a:schemeClr val="accent1"/>
+            </a:effectRef>
+            <a:fontRef idx="minor">
+              <a:schemeClr val="lt1"/>
+            </a:fontRef>
+          </p:style>
+        </p:sp>
+        <p:sp>
+          <p:nvSpPr>
+            <p:cNvPr id="28" name="Rectangle 25">
+              <a:extLst>
+                <a:ext uri="{FF2B5EF4-FFF2-40B4-BE49-F238E27FC236}">
+                  <a16:creationId xmlns:a16="http://schemas.microsoft.com/office/drawing/2014/main" id="{95F944E7-2B4E-4AE2-B4DB-846FF8AE0B7A}"/>
+                </a:ext>
+                <a:ext uri="{C183D7F6-B498-43B3-948B-1728B52AA6E4}">
+                  <adec:decorative xmlns:adec="http://schemas.microsoft.com/office/drawing/2017/decorative" val="1"/>
+                </a:ext>
+              </a:extLst>
+            </p:cNvPr>
+            <p:cNvSpPr/>
+            <p:nvPr>
+              <p:extLst>
+                <p:ext uri="{386F3935-93C4-4BCD-93E2-E3B085C9AB24}">
+                  <p16:designElem xmlns:p16="http://schemas.microsoft.com/office/powerpoint/2015/main" val="1"/>
+                </p:ext>
+              </p:extLst>
+            </p:nvPr>
+          </p:nvSpPr>
+          <p:spPr>
+            <a:xfrm>
+              <a:off x="1680730" y="-8467"/>
+              <a:ext cx="2588558" cy="6866467"/>
+            </a:xfrm>
+            <a:custGeom>
+              <a:avLst/>
+              <a:gdLst/>
+              <a:ahLst/>
+              <a:cxnLst/>
+              <a:rect l="l" t="t" r="r" b="b"/>
+              <a:pathLst>
+                <a:path w="2573311" h="6866467">
+                  <a:moveTo>
+                    <a:pt x="0" y="0"/>
+                  </a:moveTo>
+                  <a:lnTo>
+                    <a:pt x="2573311" y="0"/>
+                  </a:lnTo>
+                  <a:lnTo>
+                    <a:pt x="2573311" y="6866467"/>
+                  </a:lnTo>
+                  <a:lnTo>
+                    <a:pt x="1202336" y="6866467"/>
+                  </a:lnTo>
+                  <a:lnTo>
+                    <a:pt x="0" y="0"/>
+                  </a:lnTo>
+                  <a:close/>
+                </a:path>
+              </a:pathLst>
+            </a:custGeom>
+            <a:solidFill>
+              <a:schemeClr val="accent1">
+                <a:alpha val="20000"/>
+              </a:schemeClr>
+            </a:solidFill>
+            <a:ln>
+              <a:noFill/>
+            </a:ln>
+            <a:effectLst/>
+          </p:spPr>
+          <p:style>
+            <a:lnRef idx="1">
+              <a:schemeClr val="accent1"/>
+            </a:lnRef>
+            <a:fillRef idx="3">
+              <a:schemeClr val="accent1"/>
+            </a:fillRef>
+            <a:effectRef idx="2">
+              <a:schemeClr val="accent1"/>
+            </a:effectRef>
+            <a:fontRef idx="minor">
+              <a:schemeClr val="lt1"/>
+            </a:fontRef>
+          </p:style>
+        </p:sp>
+        <p:sp>
+          <p:nvSpPr>
+            <p:cNvPr id="29" name="Isosceles Triangle 28">
+              <a:extLst>
+                <a:ext uri="{FF2B5EF4-FFF2-40B4-BE49-F238E27FC236}">
+                  <a16:creationId xmlns:a16="http://schemas.microsoft.com/office/drawing/2014/main" id="{FF14952D-390F-46CC-B302-73DDD9C4160F}"/>
+                </a:ext>
+                <a:ext uri="{C183D7F6-B498-43B3-948B-1728B52AA6E4}">
+                  <adec:decorative xmlns:adec="http://schemas.microsoft.com/office/drawing/2017/decorative" val="1"/>
+                </a:ext>
+              </a:extLst>
+            </p:cNvPr>
+            <p:cNvSpPr/>
+            <p:nvPr>
+              <p:extLst>
+                <p:ext uri="{386F3935-93C4-4BCD-93E2-E3B085C9AB24}">
+                  <p16:designElem xmlns:p16="http://schemas.microsoft.com/office/powerpoint/2015/main" val="1"/>
+                </p:ext>
+              </p:extLst>
+            </p:nvPr>
+          </p:nvSpPr>
+          <p:spPr>
+            <a:xfrm>
+              <a:off x="1009621" y="3048000"/>
+              <a:ext cx="3259667" cy="3810000"/>
+            </a:xfrm>
+            <a:prstGeom prst="triangle">
+              <a:avLst>
+                <a:gd name="adj" fmla="val 100000"/>
+              </a:avLst>
+            </a:prstGeom>
+            <a:solidFill>
+              <a:schemeClr val="accent2">
+                <a:alpha val="72000"/>
+              </a:schemeClr>
+            </a:solidFill>
+            <a:ln>
+              <a:noFill/>
+            </a:ln>
+            <a:effectLst/>
+          </p:spPr>
+          <p:style>
+            <a:lnRef idx="1">
+              <a:schemeClr val="accent1"/>
+            </a:lnRef>
+            <a:fillRef idx="3">
+              <a:schemeClr val="accent1"/>
+            </a:fillRef>
+            <a:effectRef idx="2">
+              <a:schemeClr val="accent1"/>
+            </a:effectRef>
+            <a:fontRef idx="minor">
+              <a:schemeClr val="lt1"/>
+            </a:fontRef>
+          </p:style>
+        </p:sp>
+        <p:sp>
+          <p:nvSpPr>
+            <p:cNvPr id="30" name="Rectangle 27">
+              <a:extLst>
+                <a:ext uri="{FF2B5EF4-FFF2-40B4-BE49-F238E27FC236}">
+                  <a16:creationId xmlns:a16="http://schemas.microsoft.com/office/drawing/2014/main" id="{867CDE55-B22A-40D0-882A-9452919EEC28}"/>
+                </a:ext>
+                <a:ext uri="{C183D7F6-B498-43B3-948B-1728B52AA6E4}">
+                  <adec:decorative xmlns:adec="http://schemas.microsoft.com/office/drawing/2017/decorative" val="1"/>
+                </a:ext>
+              </a:extLst>
+            </p:cNvPr>
+            <p:cNvSpPr/>
+            <p:nvPr>
+              <p:extLst>
+                <p:ext uri="{386F3935-93C4-4BCD-93E2-E3B085C9AB24}">
+                  <p16:designElem xmlns:p16="http://schemas.microsoft.com/office/powerpoint/2015/main" val="1"/>
+                </p:ext>
+              </p:extLst>
+            </p:nvPr>
+          </p:nvSpPr>
+          <p:spPr>
+            <a:xfrm>
+              <a:off x="1411788" y="-8467"/>
+              <a:ext cx="2854326" cy="6866467"/>
+            </a:xfrm>
+            <a:custGeom>
+              <a:avLst/>
+              <a:gdLst/>
+              <a:ahLst/>
+              <a:cxnLst/>
+              <a:rect l="l" t="t" r="r" b="b"/>
+              <a:pathLst>
+                <a:path w="2858013" h="6866467">
+                  <a:moveTo>
+                    <a:pt x="0" y="0"/>
+                  </a:moveTo>
+                  <a:lnTo>
+                    <a:pt x="2858013" y="0"/>
+                  </a:lnTo>
+                  <a:lnTo>
+                    <a:pt x="2858013" y="6866467"/>
+                  </a:lnTo>
+                  <a:lnTo>
+                    <a:pt x="2473942" y="6866467"/>
+                  </a:lnTo>
+                  <a:lnTo>
+                    <a:pt x="0" y="0"/>
+                  </a:lnTo>
+                  <a:close/>
+                </a:path>
+              </a:pathLst>
+            </a:custGeom>
+            <a:solidFill>
+              <a:schemeClr val="accent2">
+                <a:lumMod val="75000"/>
+                <a:alpha val="70000"/>
+              </a:schemeClr>
+            </a:solidFill>
+            <a:ln>
+              <a:noFill/>
+            </a:ln>
+            <a:effectLst/>
+          </p:spPr>
+          <p:style>
+            <a:lnRef idx="1">
+              <a:schemeClr val="accent1"/>
+            </a:lnRef>
+            <a:fillRef idx="3">
+              <a:schemeClr val="accent1"/>
+            </a:fillRef>
+            <a:effectRef idx="2">
+              <a:schemeClr val="accent1"/>
+            </a:effectRef>
+            <a:fontRef idx="minor">
+              <a:schemeClr val="lt1"/>
+            </a:fontRef>
+          </p:style>
+        </p:sp>
+        <p:sp>
+          <p:nvSpPr>
+            <p:cNvPr id="31" name="Isosceles Triangle 30">
+              <a:extLst>
+                <a:ext uri="{FF2B5EF4-FFF2-40B4-BE49-F238E27FC236}">
+                  <a16:creationId xmlns:a16="http://schemas.microsoft.com/office/drawing/2014/main" id="{8C409231-C942-4808-B529-DAC32A7DB002}"/>
+                </a:ext>
+                <a:ext uri="{C183D7F6-B498-43B3-948B-1728B52AA6E4}">
+                  <adec:decorative xmlns:adec="http://schemas.microsoft.com/office/drawing/2017/decorative" val="1"/>
+                </a:ext>
+              </a:extLst>
+            </p:cNvPr>
+            <p:cNvSpPr/>
+            <p:nvPr>
+              <p:extLst>
+                <p:ext uri="{386F3935-93C4-4BCD-93E2-E3B085C9AB24}">
+                  <p16:designElem xmlns:p16="http://schemas.microsoft.com/office/powerpoint/2015/main" val="1"/>
+                </p:ext>
+              </p:extLst>
+            </p:nvPr>
+          </p:nvSpPr>
+          <p:spPr>
+            <a:xfrm>
+              <a:off x="2448954" y="3589867"/>
+              <a:ext cx="1817159" cy="3268133"/>
+            </a:xfrm>
+            <a:prstGeom prst="triangle">
+              <a:avLst>
+                <a:gd name="adj" fmla="val 100000"/>
+              </a:avLst>
+            </a:prstGeom>
+            <a:solidFill>
+              <a:schemeClr val="accent1">
+                <a:alpha val="80000"/>
+              </a:schemeClr>
+            </a:solidFill>
+            <a:ln>
+              <a:noFill/>
+            </a:ln>
+            <a:effectLst/>
+          </p:spPr>
+          <p:style>
+            <a:lnRef idx="1">
+              <a:schemeClr val="accent1"/>
+            </a:lnRef>
+            <a:fillRef idx="3">
+              <a:schemeClr val="accent1"/>
+            </a:fillRef>
+            <a:effectRef idx="2">
+              <a:schemeClr val="accent1"/>
+            </a:effectRef>
+            <a:fontRef idx="minor">
+              <a:schemeClr val="lt1"/>
+            </a:fontRef>
+          </p:style>
+        </p:sp>
+      </p:grpSp>
+      <p:sp>
+        <p:nvSpPr>
+          <p:cNvPr id="2" name="Title 1">
+            <a:extLst>
+              <a:ext uri="{FF2B5EF4-FFF2-40B4-BE49-F238E27FC236}">
+                <a16:creationId xmlns:a16="http://schemas.microsoft.com/office/drawing/2014/main" id="{0DAB48B6-C4B2-46CC-92E0-72C2775F1EAC}"/>
+              </a:ext>
+            </a:extLst>
+          </p:cNvPr>
+          <p:cNvSpPr>
+            <a:spLocks noGrp="1"/>
+          </p:cNvSpPr>
+          <p:nvPr>
+            <p:ph type="title"/>
+          </p:nvPr>
+        </p:nvSpPr>
+        <p:spPr>
+          <a:xfrm>
+            <a:off x="677335" y="1282701"/>
+            <a:ext cx="5096060" cy="4307148"/>
+          </a:xfrm>
+        </p:spPr>
+        <p:txBody>
+          <a:bodyPr vert="horz" lIns="91440" tIns="45720" rIns="91440" bIns="45720" rtlCol="0" anchor="ctr">
+            <a:normAutofit/>
+          </a:bodyPr>
+          <a:lstStyle/>
+          <a:p>
+            <a:pPr algn="r"/>
+            <a:r>
+              <a:rPr lang="es-SV" sz="5400" dirty="0"/>
+              <a:t>Objetivo</a:t>
+            </a:r>
+            <a:r>
+              <a:rPr lang="en-US" sz="5400" dirty="0"/>
+              <a:t>:</a:t>
+            </a:r>
+          </a:p>
+        </p:txBody>
+      </p:sp>
+      <p:sp>
+        <p:nvSpPr>
+          <p:cNvPr id="33" name="Freeform: Shape 32">
+            <a:extLst>
+              <a:ext uri="{FF2B5EF4-FFF2-40B4-BE49-F238E27FC236}">
+                <a16:creationId xmlns:a16="http://schemas.microsoft.com/office/drawing/2014/main" id="{69370F01-B8C9-4CE4-824C-92B2792E6ED0}"/>
+              </a:ext>
+              <a:ext uri="{C183D7F6-B498-43B3-948B-1728B52AA6E4}">
+                <adec:decorative xmlns:adec="http://schemas.microsoft.com/office/drawing/2017/decorative" val="1"/>
+              </a:ext>
+            </a:extLst>
+          </p:cNvPr>
+          <p:cNvSpPr>
+            <a:spLocks noGrp="1" noRot="1" noChangeAspect="1" noMove="1" noResize="1" noEditPoints="1" noAdjustHandles="1" noChangeArrowheads="1" noChangeShapeType="1" noTextEdit="1"/>
+          </p:cNvSpPr>
+          <p:nvPr>
+            <p:extLst>
+              <p:ext uri="{386F3935-93C4-4BCD-93E2-E3B085C9AB24}">
+                <p16:designElem xmlns:p16="http://schemas.microsoft.com/office/powerpoint/2015/main" val="1"/>
+              </p:ext>
+            </p:extLst>
+          </p:nvPr>
+        </p:nvSpPr>
+        <p:spPr>
+          <a:xfrm>
+            <a:off x="7136497" y="-8468"/>
+            <a:ext cx="5074930" cy="6866468"/>
+          </a:xfrm>
+          <a:custGeom>
+            <a:avLst/>
+            <a:gdLst>
+              <a:gd name="connsiteX0" fmla="*/ 0 w 5074930"/>
+              <a:gd name="connsiteY0" fmla="*/ 0 h 6858000"/>
+              <a:gd name="connsiteX1" fmla="*/ 1249825 w 5074930"/>
+              <a:gd name="connsiteY1" fmla="*/ 0 h 6858000"/>
+              <a:gd name="connsiteX2" fmla="*/ 1249825 w 5074930"/>
+              <a:gd name="connsiteY2" fmla="*/ 8457 h 6858000"/>
+              <a:gd name="connsiteX3" fmla="*/ 5074930 w 5074930"/>
+              <a:gd name="connsiteY3" fmla="*/ 8457 h 6858000"/>
+              <a:gd name="connsiteX4" fmla="*/ 5074930 w 5074930"/>
+              <a:gd name="connsiteY4" fmla="*/ 6858000 h 6858000"/>
+              <a:gd name="connsiteX5" fmla="*/ 1249825 w 5074930"/>
+              <a:gd name="connsiteY5" fmla="*/ 6858000 h 6858000"/>
+              <a:gd name="connsiteX6" fmla="*/ 1109383 w 5074930"/>
+              <a:gd name="connsiteY6" fmla="*/ 6858000 h 6858000"/>
+            </a:gdLst>
+            <a:ahLst/>
+            <a:cxnLst>
+              <a:cxn ang="0">
+                <a:pos x="connsiteX0" y="connsiteY0"/>
+              </a:cxn>
+              <a:cxn ang="0">
+                <a:pos x="connsiteX1" y="connsiteY1"/>
+              </a:cxn>
+              <a:cxn ang="0">
+                <a:pos x="connsiteX2" y="connsiteY2"/>
+              </a:cxn>
+              <a:cxn ang="0">
+                <a:pos x="connsiteX3" y="connsiteY3"/>
+              </a:cxn>
+              <a:cxn ang="0">
+                <a:pos x="connsiteX4" y="connsiteY4"/>
+              </a:cxn>
+              <a:cxn ang="0">
+                <a:pos x="connsiteX5" y="connsiteY5"/>
+              </a:cxn>
+              <a:cxn ang="0">
+                <a:pos x="connsiteX6" y="connsiteY6"/>
+              </a:cxn>
+            </a:cxnLst>
+            <a:rect l="l" t="t" r="r" b="b"/>
+            <a:pathLst>
+              <a:path w="5074930" h="6858000">
+                <a:moveTo>
+                  <a:pt x="0" y="0"/>
+                </a:moveTo>
+                <a:lnTo>
+                  <a:pt x="1249825" y="0"/>
+                </a:lnTo>
+                <a:lnTo>
+                  <a:pt x="1249825" y="8457"/>
+                </a:lnTo>
+                <a:lnTo>
+                  <a:pt x="5074930" y="8457"/>
+                </a:lnTo>
+                <a:lnTo>
+                  <a:pt x="5074930" y="6858000"/>
+                </a:lnTo>
+                <a:lnTo>
+                  <a:pt x="1249825" y="6858000"/>
+                </a:lnTo>
+                <a:lnTo>
+                  <a:pt x="1109383" y="6858000"/>
+                </a:lnTo>
+                <a:close/>
+              </a:path>
+            </a:pathLst>
+          </a:custGeom>
+          <a:solidFill>
+            <a:schemeClr val="accent2">
+              <a:lumMod val="75000"/>
+            </a:schemeClr>
+          </a:solidFill>
+          <a:ln>
+            <a:noFill/>
+          </a:ln>
+        </p:spPr>
+        <p:style>
+          <a:lnRef idx="2">
+            <a:schemeClr val="accent1">
+              <a:shade val="50000"/>
+            </a:schemeClr>
+          </a:lnRef>
+          <a:fillRef idx="1">
+            <a:schemeClr val="accent1"/>
+          </a:fillRef>
+          <a:effectRef idx="0">
+            <a:schemeClr val="accent1"/>
+          </a:effectRef>
+          <a:fontRef idx="minor">
+            <a:schemeClr val="lt1"/>
+          </a:fontRef>
+        </p:style>
+        <p:txBody>
+          <a:bodyPr wrap="square" rtlCol="0" anchor="ctr">
+            <a:noAutofit/>
+          </a:bodyPr>
+          <a:lstStyle/>
+          <a:p>
+            <a:pPr algn="ctr"/>
+            <a:endParaRPr lang="en-US"/>
+          </a:p>
+        </p:txBody>
+      </p:sp>
+      <p:sp>
+        <p:nvSpPr>
+          <p:cNvPr id="4" name="Content Placeholder 3">
+            <a:extLst>
+              <a:ext uri="{FF2B5EF4-FFF2-40B4-BE49-F238E27FC236}">
+                <a16:creationId xmlns:a16="http://schemas.microsoft.com/office/drawing/2014/main" id="{EB7CC704-9CBD-4F02-9541-25D3C6D9D813}"/>
+              </a:ext>
+            </a:extLst>
+          </p:cNvPr>
+          <p:cNvSpPr>
+            <a:spLocks noGrp="1"/>
+          </p:cNvSpPr>
+          <p:nvPr>
+            <p:ph type="body" sz="half" idx="2"/>
+          </p:nvPr>
+        </p:nvSpPr>
+        <p:spPr>
+          <a:xfrm>
+            <a:off x="7476625" y="2383220"/>
+            <a:ext cx="4448742" cy="1962971"/>
+          </a:xfrm>
+        </p:spPr>
+        <p:txBody>
+          <a:bodyPr vert="horz" lIns="91440" tIns="45720" rIns="91440" bIns="45720" rtlCol="0" anchor="ctr">
+            <a:normAutofit/>
+          </a:bodyPr>
+          <a:lstStyle/>
+          <a:p>
+            <a:r>
+              <a:rPr lang="es-SV" sz="2800" dirty="0">
+                <a:solidFill>
+                  <a:srgbClr val="FFFFFF"/>
+                </a:solidFill>
+              </a:rPr>
+              <a:t>Conocer</a:t>
+            </a:r>
+            <a:r>
+              <a:rPr lang="en-US" sz="2800" dirty="0">
+                <a:solidFill>
+                  <a:srgbClr val="FFFFFF"/>
+                </a:solidFill>
+              </a:rPr>
+              <a:t> las bases de Git para </a:t>
+            </a:r>
+            <a:r>
+              <a:rPr lang="es-SV" sz="2800" dirty="0">
+                <a:solidFill>
+                  <a:srgbClr val="FFFFFF"/>
+                </a:solidFill>
+              </a:rPr>
+              <a:t>entender</a:t>
+            </a:r>
+            <a:r>
+              <a:rPr lang="en-US" sz="2800" dirty="0">
+                <a:solidFill>
+                  <a:srgbClr val="FFFFFF"/>
+                </a:solidFill>
+              </a:rPr>
+              <a:t> </a:t>
+            </a:r>
+            <a:r>
+              <a:rPr lang="en-US" sz="2800" dirty="0" err="1">
+                <a:solidFill>
+                  <a:srgbClr val="FFFFFF"/>
+                </a:solidFill>
+              </a:rPr>
+              <a:t>cómo</a:t>
+            </a:r>
+            <a:r>
+              <a:rPr lang="en-US" sz="2800" dirty="0">
+                <a:solidFill>
+                  <a:srgbClr val="FFFFFF"/>
+                </a:solidFill>
+              </a:rPr>
+              <a:t>  </a:t>
+            </a:r>
+            <a:r>
+              <a:rPr lang="es-SV" sz="2800" dirty="0">
+                <a:solidFill>
+                  <a:srgbClr val="FFFFFF"/>
+                </a:solidFill>
+              </a:rPr>
+              <a:t>funciona</a:t>
+            </a:r>
+          </a:p>
+          <a:p>
+            <a:endParaRPr lang="en-US" sz="2800" dirty="0">
+              <a:solidFill>
+                <a:srgbClr val="FFFFFF"/>
+              </a:solidFill>
+            </a:endParaRPr>
+          </a:p>
+        </p:txBody>
+      </p:sp>
+    </p:spTree>
+    <p:extLst>
+      <p:ext uri="{BB962C8B-B14F-4D97-AF65-F5344CB8AC3E}">
+        <p14:creationId xmlns:p14="http://schemas.microsoft.com/office/powerpoint/2010/main" val="2757732110"/>
+      </p:ext>
+    </p:extLst>
+  </p:cSld>
+  <p:clrMapOvr>
+    <a:masterClrMapping/>
+  </p:clrMapOvr>
+</p:sld>
+</file>
+
+<file path=ppt/slides/slide3.xml><?xml version="1.0" encoding="utf-8"?>
+<p:sld xmlns:a="http://schemas.openxmlformats.org/drawingml/2006/main" xmlns:r="http://schemas.openxmlformats.org/officeDocument/2006/relationships" xmlns:p="http://schemas.openxmlformats.org/presentationml/2006/main">
+  <p:cSld>
+    <p:bg>
+      <p:bgPr>
+        <a:solidFill>
+          <a:schemeClr val="bg1"/>
+        </a:solidFill>
+        <a:effectLst/>
+      </p:bgPr>
+    </p:bg>
+    <p:spTree>
+      <p:nvGrpSpPr>
+        <p:cNvPr id="1" name=""/>
+        <p:cNvGrpSpPr/>
+        <p:nvPr/>
+      </p:nvGrpSpPr>
+      <p:grpSpPr>
+        <a:xfrm>
+          <a:off x="0" y="0"/>
+          <a:ext cx="0" cy="0"/>
+          <a:chOff x="0" y="0"/>
+          <a:chExt cx="0" cy="0"/>
+        </a:xfrm>
+      </p:grpSpPr>
+      <p:grpSp>
+        <p:nvGrpSpPr>
           <p:cNvPr id="11" name="Group 10">
             <a:extLst>
               <a:ext uri="{FF2B5EF4-FFF2-40B4-BE49-F238E27FC236}">
@@ -23138,12 +24761,16 @@
           <a:lstStyle/>
           <a:p>
             <a:r>
+              <a:rPr lang="es-SV" sz="3600" dirty="0"/>
+              <a:t>Acerca</a:t>
+            </a:r>
+            <a:r>
               <a:rPr lang="en-US" sz="3600" dirty="0"/>
-              <a:t>Mi </a:t>
+              <a:t> de </a:t>
             </a:r>
             <a:r>
               <a:rPr lang="es-SV" sz="3600" dirty="0"/>
-              <a:t>perfil</a:t>
+              <a:t>mi</a:t>
             </a:r>
           </a:p>
         </p:txBody>
@@ -23166,8 +24793,8 @@
         </p:nvSpPr>
         <p:spPr>
           <a:xfrm>
-            <a:off x="5209563" y="2160589"/>
-            <a:ext cx="4530785" cy="3880773"/>
+            <a:off x="5283250" y="2021947"/>
+            <a:ext cx="4510108" cy="2682576"/>
           </a:xfrm>
         </p:spPr>
         <p:txBody>
@@ -23181,7 +24808,7 @@
               <a:buChar char=""/>
             </a:pPr>
             <a:r>
-              <a:rPr lang="en-US" sz="1600" dirty="0"/>
+              <a:rPr lang="en-US" sz="2800" u="sng" dirty="0"/>
               <a:t>Ronald Castellon</a:t>
             </a:r>
           </a:p>
@@ -23198,28 +24825,8 @@
               <a:buChar char=""/>
             </a:pPr>
             <a:r>
-              <a:rPr lang="es-SV" sz="1600" dirty="0"/>
-              <a:t>Inicie</a:t>
-            </a:r>
-            <a:r>
               <a:rPr lang="en-US" sz="1600" dirty="0"/>
-              <a:t> </a:t>
-            </a:r>
-            <a:r>
-              <a:rPr lang="en-US" sz="1600" dirty="0" err="1"/>
-              <a:t>como</a:t>
-            </a:r>
-            <a:r>
-              <a:rPr lang="en-US" sz="1600" dirty="0"/>
-              <a:t> </a:t>
-            </a:r>
-            <a:r>
-              <a:rPr lang="es-SV" sz="1600" dirty="0"/>
-              <a:t>programador</a:t>
-            </a:r>
-            <a:r>
-              <a:rPr lang="en-US" sz="1600" dirty="0"/>
-              <a:t> Java</a:t>
+              <a:t>www.rcaste.com</a:t>
             </a:r>
           </a:p>
           <a:p>
@@ -23229,10 +24836,10 @@
             </a:pPr>
             <a:r>
               <a:rPr lang="en-US" sz="1600" dirty="0"/>
-              <a:t>5+ </a:t>
-            </a:r>
-            <a:r>
-              <a:rPr lang="en-US" sz="1600" dirty="0" err="1"/>
+              <a:t>7+ </a:t>
+            </a:r>
+            <a:r>
+              <a:rPr lang="es-SV" sz="1600" dirty="0"/>
               <a:t>años</a:t>
             </a:r>
             <a:r>
@@ -23240,7 +24847,7 @@
               <a:t> de </a:t>
             </a:r>
             <a:r>
-              <a:rPr lang="en-US" sz="1600" dirty="0" err="1"/>
+              <a:rPr lang="es-SV" sz="1600" dirty="0"/>
               <a:t>experiencia</a:t>
             </a:r>
             <a:r>
@@ -23248,7 +24855,7 @@
               <a:t> </a:t>
             </a:r>
             <a:r>
-              <a:rPr lang="en-US" sz="1600" dirty="0" err="1"/>
+              <a:rPr lang="es-SV" sz="1600" dirty="0"/>
               <a:t>como</a:t>
             </a:r>
             <a:r>
@@ -23256,10 +24863,9 @@
               <a:t> </a:t>
             </a:r>
             <a:r>
-              <a:rPr lang="en-US" sz="1600" dirty="0" err="1"/>
+              <a:rPr lang="es-SV" sz="1600" dirty="0"/>
               <a:t>desarrollador</a:t>
             </a:r>
-            <a:endParaRPr lang="es-SV" sz="1600" dirty="0"/>
           </a:p>
           <a:p>
             <a:pPr>
@@ -23293,7 +24899,7 @@
               <a:buChar char=""/>
             </a:pPr>
             <a:r>
-              <a:rPr lang="en-US" sz="1600" dirty="0" err="1"/>
+              <a:rPr lang="es-SV" sz="1600" dirty="0"/>
               <a:t>Certificado</a:t>
             </a:r>
             <a:r>
@@ -23469,1577 +25075,6 @@
 </p:sld>
 </file>
 
-<file path=ppt/slides/slide3.xml><?xml version="1.0" encoding="utf-8"?>
-<p:sld xmlns:a="http://schemas.openxmlformats.org/drawingml/2006/main" xmlns:r="http://schemas.openxmlformats.org/officeDocument/2006/relationships" xmlns:p="http://schemas.openxmlformats.org/presentationml/2006/main">
-  <p:cSld>
-    <p:bg>
-      <p:bgPr>
-        <a:solidFill>
-          <a:schemeClr val="bg1"/>
-        </a:solidFill>
-        <a:effectLst/>
-      </p:bgPr>
-    </p:bg>
-    <p:spTree>
-      <p:nvGrpSpPr>
-        <p:cNvPr id="1" name=""/>
-        <p:cNvGrpSpPr/>
-        <p:nvPr/>
-      </p:nvGrpSpPr>
-      <p:grpSpPr>
-        <a:xfrm>
-          <a:off x="0" y="0"/>
-          <a:ext cx="0" cy="0"/>
-          <a:chOff x="0" y="0"/>
-          <a:chExt cx="0" cy="0"/>
-        </a:xfrm>
-      </p:grpSpPr>
-      <p:grpSp>
-        <p:nvGrpSpPr>
-          <p:cNvPr id="10" name="Group 9">
-            <a:extLst>
-              <a:ext uri="{FF2B5EF4-FFF2-40B4-BE49-F238E27FC236}">
-                <a16:creationId xmlns:a16="http://schemas.microsoft.com/office/drawing/2014/main" id="{76582886-877C-4AEC-A77F-8055EB9A0CF9}"/>
-              </a:ext>
-              <a:ext uri="{C183D7F6-B498-43B3-948B-1728B52AA6E4}">
-                <adec:decorative xmlns:adec="http://schemas.microsoft.com/office/drawing/2017/decorative" val="1"/>
-              </a:ext>
-            </a:extLst>
-          </p:cNvPr>
-          <p:cNvGrpSpPr>
-            <a:grpSpLocks noGrp="1" noUngrp="1" noRot="1" noChangeAspect="1" noMove="1" noResize="1"/>
-          </p:cNvGrpSpPr>
-          <p:nvPr>
-            <p:extLst>
-              <p:ext uri="{386F3935-93C4-4BCD-93E2-E3B085C9AB24}">
-                <p16:designElem xmlns:p16="http://schemas.microsoft.com/office/powerpoint/2015/main" val="1"/>
-              </p:ext>
-            </p:extLst>
-          </p:nvPr>
-        </p:nvGrpSpPr>
-        <p:grpSpPr>
-          <a:xfrm>
-            <a:off x="0" y="-8467"/>
-            <a:ext cx="12192000" cy="6866467"/>
-            <a:chOff x="0" y="-8467"/>
-            <a:chExt cx="12192000" cy="6866467"/>
-          </a:xfrm>
-        </p:grpSpPr>
-        <p:sp>
-          <p:nvSpPr>
-            <p:cNvPr id="11" name="Freeform 14">
-              <a:extLst>
-                <a:ext uri="{FF2B5EF4-FFF2-40B4-BE49-F238E27FC236}">
-                  <a16:creationId xmlns:a16="http://schemas.microsoft.com/office/drawing/2014/main" id="{171A838D-27EA-485C-9A80-DCE624AB30B2}"/>
-                </a:ext>
-                <a:ext uri="{C183D7F6-B498-43B3-948B-1728B52AA6E4}">
-                  <adec:decorative xmlns:adec="http://schemas.microsoft.com/office/drawing/2017/decorative" val="1"/>
-                </a:ext>
-              </a:extLst>
-            </p:cNvPr>
-            <p:cNvSpPr/>
-            <p:nvPr>
-              <p:extLst>
-                <p:ext uri="{386F3935-93C4-4BCD-93E2-E3B085C9AB24}">
-                  <p16:designElem xmlns:p16="http://schemas.microsoft.com/office/powerpoint/2015/main" val="1"/>
-                </p:ext>
-              </p:extLst>
-            </p:nvPr>
-          </p:nvSpPr>
-          <p:spPr>
-            <a:xfrm>
-              <a:off x="0" y="-7862"/>
-              <a:ext cx="863600" cy="5698067"/>
-            </a:xfrm>
-            <a:custGeom>
-              <a:avLst/>
-              <a:gdLst/>
-              <a:ahLst/>
-              <a:cxnLst/>
-              <a:rect l="l" t="t" r="r" b="b"/>
-              <a:pathLst>
-                <a:path w="863600" h="5698067">
-                  <a:moveTo>
-                    <a:pt x="0" y="8467"/>
-                  </a:moveTo>
-                  <a:lnTo>
-                    <a:pt x="863600" y="0"/>
-                  </a:lnTo>
-                  <a:lnTo>
-                    <a:pt x="863600" y="16934"/>
-                  </a:lnTo>
-                  <a:lnTo>
-                    <a:pt x="0" y="5698067"/>
-                  </a:lnTo>
-                  <a:lnTo>
-                    <a:pt x="0" y="8467"/>
-                  </a:lnTo>
-                  <a:close/>
-                </a:path>
-              </a:pathLst>
-            </a:custGeom>
-            <a:solidFill>
-              <a:schemeClr val="accent1">
-                <a:alpha val="70000"/>
-              </a:schemeClr>
-            </a:solidFill>
-            <a:ln>
-              <a:noFill/>
-            </a:ln>
-            <a:effectLst/>
-          </p:spPr>
-          <p:style>
-            <a:lnRef idx="1">
-              <a:schemeClr val="accent1"/>
-            </a:lnRef>
-            <a:fillRef idx="3">
-              <a:schemeClr val="accent1"/>
-            </a:fillRef>
-            <a:effectRef idx="2">
-              <a:schemeClr val="accent1"/>
-            </a:effectRef>
-            <a:fontRef idx="minor">
-              <a:schemeClr val="lt1"/>
-            </a:fontRef>
-          </p:style>
-        </p:sp>
-        <p:cxnSp>
-          <p:nvCxnSpPr>
-            <p:cNvPr id="12" name="Straight Connector 11">
-              <a:extLst>
-                <a:ext uri="{FF2B5EF4-FFF2-40B4-BE49-F238E27FC236}">
-                  <a16:creationId xmlns:a16="http://schemas.microsoft.com/office/drawing/2014/main" id="{9059F313-A1BB-425E-9626-2BD43CAC6489}"/>
-                </a:ext>
-                <a:ext uri="{C183D7F6-B498-43B3-948B-1728B52AA6E4}">
-                  <adec:decorative xmlns:adec="http://schemas.microsoft.com/office/drawing/2017/decorative" val="1"/>
-                </a:ext>
-              </a:extLst>
-            </p:cNvPr>
-            <p:cNvCxnSpPr/>
-            <p:nvPr>
-              <p:extLst>
-                <p:ext uri="{386F3935-93C4-4BCD-93E2-E3B085C9AB24}">
-                  <p16:designElem xmlns:p16="http://schemas.microsoft.com/office/powerpoint/2015/main" val="1"/>
-                </p:ext>
-              </p:extLst>
-            </p:nvPr>
-          </p:nvCxnSpPr>
-          <p:spPr>
-            <a:xfrm>
-              <a:off x="9371012" y="0"/>
-              <a:ext cx="1219200" cy="6858000"/>
-            </a:xfrm>
-            <a:prstGeom prst="line">
-              <a:avLst/>
-            </a:prstGeom>
-            <a:ln w="9525">
-              <a:solidFill>
-                <a:schemeClr val="accent1">
-                  <a:alpha val="70000"/>
-                </a:schemeClr>
-              </a:solidFill>
-            </a:ln>
-          </p:spPr>
-          <p:style>
-            <a:lnRef idx="2">
-              <a:schemeClr val="accent1"/>
-            </a:lnRef>
-            <a:fillRef idx="0">
-              <a:schemeClr val="accent1"/>
-            </a:fillRef>
-            <a:effectRef idx="1">
-              <a:schemeClr val="accent1"/>
-            </a:effectRef>
-            <a:fontRef idx="minor">
-              <a:schemeClr val="tx1"/>
-            </a:fontRef>
-          </p:style>
-        </p:cxnSp>
-        <p:cxnSp>
-          <p:nvCxnSpPr>
-            <p:cNvPr id="13" name="Straight Connector 12">
-              <a:extLst>
-                <a:ext uri="{FF2B5EF4-FFF2-40B4-BE49-F238E27FC236}">
-                  <a16:creationId xmlns:a16="http://schemas.microsoft.com/office/drawing/2014/main" id="{19ABF76A-A1AE-44BB-9ECB-D55D2FE29BF1}"/>
-                </a:ext>
-                <a:ext uri="{C183D7F6-B498-43B3-948B-1728B52AA6E4}">
-                  <adec:decorative xmlns:adec="http://schemas.microsoft.com/office/drawing/2017/decorative" val="1"/>
-                </a:ext>
-              </a:extLst>
-            </p:cNvPr>
-            <p:cNvCxnSpPr/>
-            <p:nvPr>
-              <p:extLst>
-                <p:ext uri="{386F3935-93C4-4BCD-93E2-E3B085C9AB24}">
-                  <p16:designElem xmlns:p16="http://schemas.microsoft.com/office/powerpoint/2015/main" val="1"/>
-                </p:ext>
-              </p:extLst>
-            </p:nvPr>
-          </p:nvCxnSpPr>
-          <p:spPr>
-            <a:xfrm flipH="1">
-              <a:off x="7425267" y="3681413"/>
-              <a:ext cx="4763558" cy="3176587"/>
-            </a:xfrm>
-            <a:prstGeom prst="line">
-              <a:avLst/>
-            </a:prstGeom>
-            <a:ln w="9525">
-              <a:solidFill>
-                <a:schemeClr val="accent1">
-                  <a:alpha val="70000"/>
-                </a:schemeClr>
-              </a:solidFill>
-            </a:ln>
-          </p:spPr>
-          <p:style>
-            <a:lnRef idx="2">
-              <a:schemeClr val="accent1"/>
-            </a:lnRef>
-            <a:fillRef idx="0">
-              <a:schemeClr val="accent1"/>
-            </a:fillRef>
-            <a:effectRef idx="1">
-              <a:schemeClr val="accent1"/>
-            </a:effectRef>
-            <a:fontRef idx="minor">
-              <a:schemeClr val="tx1"/>
-            </a:fontRef>
-          </p:style>
-        </p:cxnSp>
-        <p:sp>
-          <p:nvSpPr>
-            <p:cNvPr id="14" name="Rectangle 23">
-              <a:extLst>
-                <a:ext uri="{FF2B5EF4-FFF2-40B4-BE49-F238E27FC236}">
-                  <a16:creationId xmlns:a16="http://schemas.microsoft.com/office/drawing/2014/main" id="{5B6D2EC4-82D3-43B8-82D6-028CB4345618}"/>
-                </a:ext>
-                <a:ext uri="{C183D7F6-B498-43B3-948B-1728B52AA6E4}">
-                  <adec:decorative xmlns:adec="http://schemas.microsoft.com/office/drawing/2017/decorative" val="1"/>
-                </a:ext>
-              </a:extLst>
-            </p:cNvPr>
-            <p:cNvSpPr/>
-            <p:nvPr>
-              <p:extLst>
-                <p:ext uri="{386F3935-93C4-4BCD-93E2-E3B085C9AB24}">
-                  <p16:designElem xmlns:p16="http://schemas.microsoft.com/office/powerpoint/2015/main" val="1"/>
-                </p:ext>
-              </p:extLst>
-            </p:nvPr>
-          </p:nvSpPr>
-          <p:spPr>
-            <a:xfrm>
-              <a:off x="9181476" y="-8467"/>
-              <a:ext cx="3007349" cy="6866467"/>
-            </a:xfrm>
-            <a:custGeom>
-              <a:avLst/>
-              <a:gdLst/>
-              <a:ahLst/>
-              <a:cxnLst/>
-              <a:rect l="l" t="t" r="r" b="b"/>
-              <a:pathLst>
-                <a:path w="3007349" h="6866467">
-                  <a:moveTo>
-                    <a:pt x="2045532" y="0"/>
-                  </a:moveTo>
-                  <a:lnTo>
-                    <a:pt x="3007349" y="0"/>
-                  </a:lnTo>
-                  <a:lnTo>
-                    <a:pt x="3007349" y="6866467"/>
-                  </a:lnTo>
-                  <a:lnTo>
-                    <a:pt x="0" y="6866467"/>
-                  </a:lnTo>
-                  <a:lnTo>
-                    <a:pt x="2045532" y="0"/>
-                  </a:lnTo>
-                  <a:close/>
-                </a:path>
-              </a:pathLst>
-            </a:custGeom>
-            <a:solidFill>
-              <a:schemeClr val="accent1">
-                <a:alpha val="36000"/>
-              </a:schemeClr>
-            </a:solidFill>
-            <a:ln>
-              <a:noFill/>
-            </a:ln>
-            <a:effectLst/>
-          </p:spPr>
-          <p:style>
-            <a:lnRef idx="1">
-              <a:schemeClr val="accent1"/>
-            </a:lnRef>
-            <a:fillRef idx="3">
-              <a:schemeClr val="accent1"/>
-            </a:fillRef>
-            <a:effectRef idx="2">
-              <a:schemeClr val="accent1"/>
-            </a:effectRef>
-            <a:fontRef idx="minor">
-              <a:schemeClr val="lt1"/>
-            </a:fontRef>
-          </p:style>
-        </p:sp>
-        <p:sp>
-          <p:nvSpPr>
-            <p:cNvPr id="15" name="Rectangle 25">
-              <a:extLst>
-                <a:ext uri="{FF2B5EF4-FFF2-40B4-BE49-F238E27FC236}">
-                  <a16:creationId xmlns:a16="http://schemas.microsoft.com/office/drawing/2014/main" id="{520034CE-71F9-4E0F-94D8-99335CB85263}"/>
-                </a:ext>
-                <a:ext uri="{C183D7F6-B498-43B3-948B-1728B52AA6E4}">
-                  <adec:decorative xmlns:adec="http://schemas.microsoft.com/office/drawing/2017/decorative" val="1"/>
-                </a:ext>
-              </a:extLst>
-            </p:cNvPr>
-            <p:cNvSpPr/>
-            <p:nvPr>
-              <p:extLst>
-                <p:ext uri="{386F3935-93C4-4BCD-93E2-E3B085C9AB24}">
-                  <p16:designElem xmlns:p16="http://schemas.microsoft.com/office/powerpoint/2015/main" val="1"/>
-                </p:ext>
-              </p:extLst>
-            </p:nvPr>
-          </p:nvSpPr>
-          <p:spPr>
-            <a:xfrm>
-              <a:off x="9603442" y="-8467"/>
-              <a:ext cx="2588558" cy="6866467"/>
-            </a:xfrm>
-            <a:custGeom>
-              <a:avLst/>
-              <a:gdLst/>
-              <a:ahLst/>
-              <a:cxnLst/>
-              <a:rect l="l" t="t" r="r" b="b"/>
-              <a:pathLst>
-                <a:path w="2573311" h="6866467">
-                  <a:moveTo>
-                    <a:pt x="0" y="0"/>
-                  </a:moveTo>
-                  <a:lnTo>
-                    <a:pt x="2573311" y="0"/>
-                  </a:lnTo>
-                  <a:lnTo>
-                    <a:pt x="2573311" y="6866467"/>
-                  </a:lnTo>
-                  <a:lnTo>
-                    <a:pt x="1202336" y="6866467"/>
-                  </a:lnTo>
-                  <a:lnTo>
-                    <a:pt x="0" y="0"/>
-                  </a:lnTo>
-                  <a:close/>
-                </a:path>
-              </a:pathLst>
-            </a:custGeom>
-            <a:solidFill>
-              <a:schemeClr val="accent1">
-                <a:alpha val="20000"/>
-              </a:schemeClr>
-            </a:solidFill>
-            <a:ln>
-              <a:noFill/>
-            </a:ln>
-            <a:effectLst/>
-          </p:spPr>
-          <p:style>
-            <a:lnRef idx="1">
-              <a:schemeClr val="accent1"/>
-            </a:lnRef>
-            <a:fillRef idx="3">
-              <a:schemeClr val="accent1"/>
-            </a:fillRef>
-            <a:effectRef idx="2">
-              <a:schemeClr val="accent1"/>
-            </a:effectRef>
-            <a:fontRef idx="minor">
-              <a:schemeClr val="lt1"/>
-            </a:fontRef>
-          </p:style>
-        </p:sp>
-        <p:sp>
-          <p:nvSpPr>
-            <p:cNvPr id="16" name="Isosceles Triangle 15">
-              <a:extLst>
-                <a:ext uri="{FF2B5EF4-FFF2-40B4-BE49-F238E27FC236}">
-                  <a16:creationId xmlns:a16="http://schemas.microsoft.com/office/drawing/2014/main" id="{1926C6C0-16F7-4CDC-B481-2D19B2F3BF0C}"/>
-                </a:ext>
-                <a:ext uri="{C183D7F6-B498-43B3-948B-1728B52AA6E4}">
-                  <adec:decorative xmlns:adec="http://schemas.microsoft.com/office/drawing/2017/decorative" val="1"/>
-                </a:ext>
-              </a:extLst>
-            </p:cNvPr>
-            <p:cNvSpPr/>
-            <p:nvPr>
-              <p:extLst>
-                <p:ext uri="{386F3935-93C4-4BCD-93E2-E3B085C9AB24}">
-                  <p16:designElem xmlns:p16="http://schemas.microsoft.com/office/powerpoint/2015/main" val="1"/>
-                </p:ext>
-              </p:extLst>
-            </p:nvPr>
-          </p:nvSpPr>
-          <p:spPr>
-            <a:xfrm>
-              <a:off x="8932333" y="3048000"/>
-              <a:ext cx="3259667" cy="3810000"/>
-            </a:xfrm>
-            <a:prstGeom prst="triangle">
-              <a:avLst>
-                <a:gd name="adj" fmla="val 100000"/>
-              </a:avLst>
-            </a:prstGeom>
-            <a:solidFill>
-              <a:schemeClr val="accent1">
-                <a:lumMod val="75000"/>
-                <a:alpha val="66000"/>
-              </a:schemeClr>
-            </a:solidFill>
-            <a:ln>
-              <a:noFill/>
-            </a:ln>
-            <a:effectLst/>
-          </p:spPr>
-          <p:style>
-            <a:lnRef idx="1">
-              <a:schemeClr val="accent1"/>
-            </a:lnRef>
-            <a:fillRef idx="3">
-              <a:schemeClr val="accent1"/>
-            </a:fillRef>
-            <a:effectRef idx="2">
-              <a:schemeClr val="accent1"/>
-            </a:effectRef>
-            <a:fontRef idx="minor">
-              <a:schemeClr val="lt1"/>
-            </a:fontRef>
-          </p:style>
-        </p:sp>
-        <p:sp>
-          <p:nvSpPr>
-            <p:cNvPr id="17" name="Rectangle 27">
-              <a:extLst>
-                <a:ext uri="{FF2B5EF4-FFF2-40B4-BE49-F238E27FC236}">
-                  <a16:creationId xmlns:a16="http://schemas.microsoft.com/office/drawing/2014/main" id="{042CE423-CE6E-4EE9-91F2-3E40EFB40A35}"/>
-                </a:ext>
-                <a:ext uri="{C183D7F6-B498-43B3-948B-1728B52AA6E4}">
-                  <adec:decorative xmlns:adec="http://schemas.microsoft.com/office/drawing/2017/decorative" val="1"/>
-                </a:ext>
-              </a:extLst>
-            </p:cNvPr>
-            <p:cNvSpPr/>
-            <p:nvPr>
-              <p:extLst>
-                <p:ext uri="{386F3935-93C4-4BCD-93E2-E3B085C9AB24}">
-                  <p16:designElem xmlns:p16="http://schemas.microsoft.com/office/powerpoint/2015/main" val="1"/>
-                </p:ext>
-              </p:extLst>
-            </p:nvPr>
-          </p:nvSpPr>
-          <p:spPr>
-            <a:xfrm>
-              <a:off x="9334500" y="-8467"/>
-              <a:ext cx="2854326" cy="6866467"/>
-            </a:xfrm>
-            <a:custGeom>
-              <a:avLst/>
-              <a:gdLst/>
-              <a:ahLst/>
-              <a:cxnLst/>
-              <a:rect l="l" t="t" r="r" b="b"/>
-              <a:pathLst>
-                <a:path w="2858013" h="6866467">
-                  <a:moveTo>
-                    <a:pt x="0" y="0"/>
-                  </a:moveTo>
-                  <a:lnTo>
-                    <a:pt x="2858013" y="0"/>
-                  </a:lnTo>
-                  <a:lnTo>
-                    <a:pt x="2858013" y="6866467"/>
-                  </a:lnTo>
-                  <a:lnTo>
-                    <a:pt x="2473942" y="6866467"/>
-                  </a:lnTo>
-                  <a:lnTo>
-                    <a:pt x="0" y="0"/>
-                  </a:lnTo>
-                  <a:close/>
-                </a:path>
-              </a:pathLst>
-            </a:custGeom>
-            <a:solidFill>
-              <a:schemeClr val="accent1">
-                <a:lumMod val="75000"/>
-                <a:alpha val="50000"/>
-              </a:schemeClr>
-            </a:solidFill>
-            <a:ln>
-              <a:noFill/>
-            </a:ln>
-            <a:effectLst/>
-          </p:spPr>
-          <p:style>
-            <a:lnRef idx="1">
-              <a:schemeClr val="accent1"/>
-            </a:lnRef>
-            <a:fillRef idx="3">
-              <a:schemeClr val="accent1"/>
-            </a:fillRef>
-            <a:effectRef idx="2">
-              <a:schemeClr val="accent1"/>
-            </a:effectRef>
-            <a:fontRef idx="minor">
-              <a:schemeClr val="lt1"/>
-            </a:fontRef>
-          </p:style>
-        </p:sp>
-        <p:sp>
-          <p:nvSpPr>
-            <p:cNvPr id="18" name="Rectangle 28">
-              <a:extLst>
-                <a:ext uri="{FF2B5EF4-FFF2-40B4-BE49-F238E27FC236}">
-                  <a16:creationId xmlns:a16="http://schemas.microsoft.com/office/drawing/2014/main" id="{699BB4BD-31D7-434C-A6DB-E2CF3ACF6053}"/>
-                </a:ext>
-                <a:ext uri="{C183D7F6-B498-43B3-948B-1728B52AA6E4}">
-                  <adec:decorative xmlns:adec="http://schemas.microsoft.com/office/drawing/2017/decorative" val="1"/>
-                </a:ext>
-              </a:extLst>
-            </p:cNvPr>
-            <p:cNvSpPr/>
-            <p:nvPr>
-              <p:extLst>
-                <p:ext uri="{386F3935-93C4-4BCD-93E2-E3B085C9AB24}">
-                  <p16:designElem xmlns:p16="http://schemas.microsoft.com/office/powerpoint/2015/main" val="1"/>
-                </p:ext>
-              </p:extLst>
-            </p:nvPr>
-          </p:nvSpPr>
-          <p:spPr>
-            <a:xfrm>
-              <a:off x="10898730" y="-8467"/>
-              <a:ext cx="1290094" cy="6866467"/>
-            </a:xfrm>
-            <a:custGeom>
-              <a:avLst/>
-              <a:gdLst/>
-              <a:ahLst/>
-              <a:cxnLst/>
-              <a:rect l="l" t="t" r="r" b="b"/>
-              <a:pathLst>
-                <a:path w="1290094" h="6858000">
-                  <a:moveTo>
-                    <a:pt x="1019735" y="0"/>
-                  </a:moveTo>
-                  <a:lnTo>
-                    <a:pt x="1290094" y="0"/>
-                  </a:lnTo>
-                  <a:lnTo>
-                    <a:pt x="1290094" y="6858000"/>
-                  </a:lnTo>
-                  <a:lnTo>
-                    <a:pt x="0" y="6858000"/>
-                  </a:lnTo>
-                  <a:lnTo>
-                    <a:pt x="1019735" y="0"/>
-                  </a:lnTo>
-                  <a:close/>
-                </a:path>
-              </a:pathLst>
-            </a:custGeom>
-            <a:solidFill>
-              <a:schemeClr val="accent2">
-                <a:alpha val="70000"/>
-              </a:schemeClr>
-            </a:solidFill>
-            <a:ln>
-              <a:noFill/>
-            </a:ln>
-            <a:effectLst/>
-          </p:spPr>
-          <p:style>
-            <a:lnRef idx="1">
-              <a:schemeClr val="accent1"/>
-            </a:lnRef>
-            <a:fillRef idx="3">
-              <a:schemeClr val="accent1"/>
-            </a:fillRef>
-            <a:effectRef idx="2">
-              <a:schemeClr val="accent1"/>
-            </a:effectRef>
-            <a:fontRef idx="minor">
-              <a:schemeClr val="lt1"/>
-            </a:fontRef>
-          </p:style>
-        </p:sp>
-        <p:sp>
-          <p:nvSpPr>
-            <p:cNvPr id="19" name="Rectangle 29">
-              <a:extLst>
-                <a:ext uri="{FF2B5EF4-FFF2-40B4-BE49-F238E27FC236}">
-                  <a16:creationId xmlns:a16="http://schemas.microsoft.com/office/drawing/2014/main" id="{23D406B8-656A-4D8B-91D0-BF4202C86FEF}"/>
-                </a:ext>
-                <a:ext uri="{C183D7F6-B498-43B3-948B-1728B52AA6E4}">
-                  <adec:decorative xmlns:adec="http://schemas.microsoft.com/office/drawing/2017/decorative" val="1"/>
-                </a:ext>
-              </a:extLst>
-            </p:cNvPr>
-            <p:cNvSpPr/>
-            <p:nvPr>
-              <p:extLst>
-                <p:ext uri="{386F3935-93C4-4BCD-93E2-E3B085C9AB24}">
-                  <p16:designElem xmlns:p16="http://schemas.microsoft.com/office/powerpoint/2015/main" val="1"/>
-                </p:ext>
-              </p:extLst>
-            </p:nvPr>
-          </p:nvSpPr>
-          <p:spPr>
-            <a:xfrm>
-              <a:off x="10938999" y="-8467"/>
-              <a:ext cx="1249825" cy="6866467"/>
-            </a:xfrm>
-            <a:custGeom>
-              <a:avLst/>
-              <a:gdLst/>
-              <a:ahLst/>
-              <a:cxnLst/>
-              <a:rect l="l" t="t" r="r" b="b"/>
-              <a:pathLst>
-                <a:path w="1249825" h="6858000">
-                  <a:moveTo>
-                    <a:pt x="0" y="0"/>
-                  </a:moveTo>
-                  <a:lnTo>
-                    <a:pt x="1249825" y="0"/>
-                  </a:lnTo>
-                  <a:lnTo>
-                    <a:pt x="1249825" y="6858000"/>
-                  </a:lnTo>
-                  <a:lnTo>
-                    <a:pt x="1109382" y="6858000"/>
-                  </a:lnTo>
-                  <a:lnTo>
-                    <a:pt x="0" y="0"/>
-                  </a:lnTo>
-                  <a:close/>
-                </a:path>
-              </a:pathLst>
-            </a:custGeom>
-            <a:solidFill>
-              <a:schemeClr val="accent2">
-                <a:lumMod val="75000"/>
-                <a:alpha val="80000"/>
-              </a:schemeClr>
-            </a:solidFill>
-            <a:ln>
-              <a:noFill/>
-            </a:ln>
-            <a:effectLst/>
-          </p:spPr>
-          <p:style>
-            <a:lnRef idx="1">
-              <a:schemeClr val="accent1"/>
-            </a:lnRef>
-            <a:fillRef idx="3">
-              <a:schemeClr val="accent1"/>
-            </a:fillRef>
-            <a:effectRef idx="2">
-              <a:schemeClr val="accent1"/>
-            </a:effectRef>
-            <a:fontRef idx="minor">
-              <a:schemeClr val="lt1"/>
-            </a:fontRef>
-          </p:style>
-        </p:sp>
-        <p:sp>
-          <p:nvSpPr>
-            <p:cNvPr id="20" name="Isosceles Triangle 19">
-              <a:extLst>
-                <a:ext uri="{FF2B5EF4-FFF2-40B4-BE49-F238E27FC236}">
-                  <a16:creationId xmlns:a16="http://schemas.microsoft.com/office/drawing/2014/main" id="{83F4BFB6-D6B8-446C-8E17-3D54DCA9FF23}"/>
-                </a:ext>
-                <a:ext uri="{C183D7F6-B498-43B3-948B-1728B52AA6E4}">
-                  <adec:decorative xmlns:adec="http://schemas.microsoft.com/office/drawing/2017/decorative" val="1"/>
-                </a:ext>
-              </a:extLst>
-            </p:cNvPr>
-            <p:cNvSpPr/>
-            <p:nvPr>
-              <p:extLst>
-                <p:ext uri="{386F3935-93C4-4BCD-93E2-E3B085C9AB24}">
-                  <p16:designElem xmlns:p16="http://schemas.microsoft.com/office/powerpoint/2015/main" val="1"/>
-                </p:ext>
-              </p:extLst>
-            </p:nvPr>
-          </p:nvSpPr>
-          <p:spPr>
-            <a:xfrm>
-              <a:off x="10371666" y="3589867"/>
-              <a:ext cx="1817159" cy="3268133"/>
-            </a:xfrm>
-            <a:prstGeom prst="triangle">
-              <a:avLst>
-                <a:gd name="adj" fmla="val 100000"/>
-              </a:avLst>
-            </a:prstGeom>
-            <a:solidFill>
-              <a:schemeClr val="accent1">
-                <a:lumMod val="75000"/>
-                <a:alpha val="66000"/>
-              </a:schemeClr>
-            </a:solidFill>
-            <a:ln>
-              <a:noFill/>
-            </a:ln>
-            <a:effectLst/>
-          </p:spPr>
-          <p:style>
-            <a:lnRef idx="1">
-              <a:schemeClr val="accent1"/>
-            </a:lnRef>
-            <a:fillRef idx="3">
-              <a:schemeClr val="accent1"/>
-            </a:fillRef>
-            <a:effectRef idx="2">
-              <a:schemeClr val="accent1"/>
-            </a:effectRef>
-            <a:fontRef idx="minor">
-              <a:schemeClr val="lt1"/>
-            </a:fontRef>
-          </p:style>
-        </p:sp>
-      </p:grpSp>
-      <p:sp useBgFill="1">
-        <p:nvSpPr>
-          <p:cNvPr id="22" name="Rectangle 21">
-            <a:extLst>
-              <a:ext uri="{FF2B5EF4-FFF2-40B4-BE49-F238E27FC236}">
-                <a16:creationId xmlns:a16="http://schemas.microsoft.com/office/drawing/2014/main" id="{0ADFFC45-3DC9-4433-926F-043E879D9DFC}"/>
-              </a:ext>
-              <a:ext uri="{C183D7F6-B498-43B3-948B-1728B52AA6E4}">
-                <adec:decorative xmlns:adec="http://schemas.microsoft.com/office/drawing/2017/decorative" val="1"/>
-              </a:ext>
-            </a:extLst>
-          </p:cNvPr>
-          <p:cNvSpPr>
-            <a:spLocks noGrp="1" noRot="1" noChangeAspect="1" noMove="1" noResize="1" noEditPoints="1" noAdjustHandles="1" noChangeArrowheads="1" noChangeShapeType="1" noTextEdit="1"/>
-          </p:cNvSpPr>
-          <p:nvPr>
-            <p:extLst>
-              <p:ext uri="{386F3935-93C4-4BCD-93E2-E3B085C9AB24}">
-                <p16:designElem xmlns:p16="http://schemas.microsoft.com/office/powerpoint/2015/main" val="1"/>
-              </p:ext>
-            </p:extLst>
-          </p:nvPr>
-        </p:nvSpPr>
-        <p:spPr>
-          <a:xfrm>
-            <a:off x="0" y="0"/>
-            <a:ext cx="12192000" cy="6858000"/>
-          </a:xfrm>
-          <a:prstGeom prst="rect">
-            <a:avLst/>
-          </a:prstGeom>
-          <a:ln>
-            <a:noFill/>
-          </a:ln>
-        </p:spPr>
-        <p:style>
-          <a:lnRef idx="2">
-            <a:schemeClr val="accent1">
-              <a:shade val="50000"/>
-            </a:schemeClr>
-          </a:lnRef>
-          <a:fillRef idx="1">
-            <a:schemeClr val="accent1"/>
-          </a:fillRef>
-          <a:effectRef idx="0">
-            <a:schemeClr val="accent1"/>
-          </a:effectRef>
-          <a:fontRef idx="minor">
-            <a:schemeClr val="lt1"/>
-          </a:fontRef>
-        </p:style>
-        <p:txBody>
-          <a:bodyPr rtlCol="0" anchor="ctr"/>
-          <a:lstStyle/>
-          <a:p>
-            <a:pPr algn="ctr"/>
-            <a:endParaRPr lang="en-US" dirty="0"/>
-          </a:p>
-        </p:txBody>
-      </p:sp>
-      <p:grpSp>
-        <p:nvGrpSpPr>
-          <p:cNvPr id="24" name="Group 23">
-            <a:extLst>
-              <a:ext uri="{FF2B5EF4-FFF2-40B4-BE49-F238E27FC236}">
-                <a16:creationId xmlns:a16="http://schemas.microsoft.com/office/drawing/2014/main" id="{B5F26A87-0610-435F-AA13-BD658385C9D9}"/>
-              </a:ext>
-              <a:ext uri="{C183D7F6-B498-43B3-948B-1728B52AA6E4}">
-                <adec:decorative xmlns:adec="http://schemas.microsoft.com/office/drawing/2017/decorative" val="1"/>
-              </a:ext>
-            </a:extLst>
-          </p:cNvPr>
-          <p:cNvGrpSpPr>
-            <a:grpSpLocks noGrp="1" noUngrp="1" noRot="1" noChangeAspect="1" noMove="1" noResize="1"/>
-          </p:cNvGrpSpPr>
-          <p:nvPr>
-            <p:extLst>
-              <p:ext uri="{386F3935-93C4-4BCD-93E2-E3B085C9AB24}">
-                <p16:designElem xmlns:p16="http://schemas.microsoft.com/office/powerpoint/2015/main" val="1"/>
-              </p:ext>
-            </p:extLst>
-          </p:nvPr>
-        </p:nvGrpSpPr>
-        <p:grpSpPr>
-          <a:xfrm>
-            <a:off x="4267230" y="-8468"/>
-            <a:ext cx="4763558" cy="6866467"/>
-            <a:chOff x="67175" y="-8467"/>
-            <a:chExt cx="4763558" cy="6866467"/>
-          </a:xfrm>
-        </p:grpSpPr>
-        <p:cxnSp>
-          <p:nvCxnSpPr>
-            <p:cNvPr id="25" name="Straight Connector 24">
-              <a:extLst>
-                <a:ext uri="{FF2B5EF4-FFF2-40B4-BE49-F238E27FC236}">
-                  <a16:creationId xmlns:a16="http://schemas.microsoft.com/office/drawing/2014/main" id="{E6321436-5AAD-4FB6-BB0D-316D4540E82A}"/>
-                </a:ext>
-                <a:ext uri="{C183D7F6-B498-43B3-948B-1728B52AA6E4}">
-                  <adec:decorative xmlns:adec="http://schemas.microsoft.com/office/drawing/2017/decorative" val="1"/>
-                </a:ext>
-              </a:extLst>
-            </p:cNvPr>
-            <p:cNvCxnSpPr/>
-            <p:nvPr>
-              <p:extLst>
-                <p:ext uri="{386F3935-93C4-4BCD-93E2-E3B085C9AB24}">
-                  <p16:designElem xmlns:p16="http://schemas.microsoft.com/office/powerpoint/2015/main" val="1"/>
-                </p:ext>
-              </p:extLst>
-            </p:nvPr>
-          </p:nvCxnSpPr>
-          <p:spPr>
-            <a:xfrm>
-              <a:off x="1448300" y="0"/>
-              <a:ext cx="1219200" cy="6858000"/>
-            </a:xfrm>
-            <a:prstGeom prst="line">
-              <a:avLst/>
-            </a:prstGeom>
-            <a:ln w="9525">
-              <a:solidFill>
-                <a:schemeClr val="accent1">
-                  <a:lumMod val="75000"/>
-                </a:schemeClr>
-              </a:solidFill>
-            </a:ln>
-          </p:spPr>
-          <p:style>
-            <a:lnRef idx="2">
-              <a:schemeClr val="accent1"/>
-            </a:lnRef>
-            <a:fillRef idx="0">
-              <a:schemeClr val="accent1"/>
-            </a:fillRef>
-            <a:effectRef idx="1">
-              <a:schemeClr val="accent1"/>
-            </a:effectRef>
-            <a:fontRef idx="minor">
-              <a:schemeClr val="tx1"/>
-            </a:fontRef>
-          </p:style>
-        </p:cxnSp>
-        <p:cxnSp>
-          <p:nvCxnSpPr>
-            <p:cNvPr id="26" name="Straight Connector 25">
-              <a:extLst>
-                <a:ext uri="{FF2B5EF4-FFF2-40B4-BE49-F238E27FC236}">
-                  <a16:creationId xmlns:a16="http://schemas.microsoft.com/office/drawing/2014/main" id="{94B0BD33-3D46-4F43-947A-825DFEF6106A}"/>
-                </a:ext>
-                <a:ext uri="{C183D7F6-B498-43B3-948B-1728B52AA6E4}">
-                  <adec:decorative xmlns:adec="http://schemas.microsoft.com/office/drawing/2017/decorative" val="1"/>
-                </a:ext>
-              </a:extLst>
-            </p:cNvPr>
-            <p:cNvCxnSpPr/>
-            <p:nvPr>
-              <p:extLst>
-                <p:ext uri="{386F3935-93C4-4BCD-93E2-E3B085C9AB24}">
-                  <p16:designElem xmlns:p16="http://schemas.microsoft.com/office/powerpoint/2015/main" val="1"/>
-                </p:ext>
-              </p:extLst>
-            </p:nvPr>
-          </p:nvCxnSpPr>
-          <p:spPr>
-            <a:xfrm flipH="1">
-              <a:off x="67175" y="3681413"/>
-              <a:ext cx="4763558" cy="3176587"/>
-            </a:xfrm>
-            <a:prstGeom prst="line">
-              <a:avLst/>
-            </a:prstGeom>
-            <a:ln w="9525">
-              <a:solidFill>
-                <a:schemeClr val="tx1">
-                  <a:lumMod val="50000"/>
-                  <a:lumOff val="50000"/>
-                  <a:alpha val="80000"/>
-                </a:schemeClr>
-              </a:solidFill>
-            </a:ln>
-          </p:spPr>
-          <p:style>
-            <a:lnRef idx="2">
-              <a:schemeClr val="accent1"/>
-            </a:lnRef>
-            <a:fillRef idx="0">
-              <a:schemeClr val="accent1"/>
-            </a:fillRef>
-            <a:effectRef idx="1">
-              <a:schemeClr val="accent1"/>
-            </a:effectRef>
-            <a:fontRef idx="minor">
-              <a:schemeClr val="tx1"/>
-            </a:fontRef>
-          </p:style>
-        </p:cxnSp>
-        <p:sp>
-          <p:nvSpPr>
-            <p:cNvPr id="27" name="Rectangle 23">
-              <a:extLst>
-                <a:ext uri="{FF2B5EF4-FFF2-40B4-BE49-F238E27FC236}">
-                  <a16:creationId xmlns:a16="http://schemas.microsoft.com/office/drawing/2014/main" id="{92E26C27-E1F5-47DC-9F83-469D196C55D0}"/>
-                </a:ext>
-                <a:ext uri="{C183D7F6-B498-43B3-948B-1728B52AA6E4}">
-                  <adec:decorative xmlns:adec="http://schemas.microsoft.com/office/drawing/2017/decorative" val="1"/>
-                </a:ext>
-              </a:extLst>
-            </p:cNvPr>
-            <p:cNvSpPr/>
-            <p:nvPr>
-              <p:extLst>
-                <p:ext uri="{386F3935-93C4-4BCD-93E2-E3B085C9AB24}">
-                  <p16:designElem xmlns:p16="http://schemas.microsoft.com/office/powerpoint/2015/main" val="1"/>
-                </p:ext>
-              </p:extLst>
-            </p:nvPr>
-          </p:nvSpPr>
-          <p:spPr>
-            <a:xfrm>
-              <a:off x="1258764" y="-8467"/>
-              <a:ext cx="3007349" cy="6866467"/>
-            </a:xfrm>
-            <a:custGeom>
-              <a:avLst/>
-              <a:gdLst/>
-              <a:ahLst/>
-              <a:cxnLst/>
-              <a:rect l="l" t="t" r="r" b="b"/>
-              <a:pathLst>
-                <a:path w="3007349" h="6866467">
-                  <a:moveTo>
-                    <a:pt x="2045532" y="0"/>
-                  </a:moveTo>
-                  <a:lnTo>
-                    <a:pt x="3007349" y="0"/>
-                  </a:lnTo>
-                  <a:lnTo>
-                    <a:pt x="3007349" y="6866467"/>
-                  </a:lnTo>
-                  <a:lnTo>
-                    <a:pt x="0" y="6866467"/>
-                  </a:lnTo>
-                  <a:lnTo>
-                    <a:pt x="2045532" y="0"/>
-                  </a:lnTo>
-                  <a:close/>
-                </a:path>
-              </a:pathLst>
-            </a:custGeom>
-            <a:solidFill>
-              <a:schemeClr val="accent1">
-                <a:alpha val="30000"/>
-              </a:schemeClr>
-            </a:solidFill>
-            <a:ln>
-              <a:noFill/>
-            </a:ln>
-            <a:effectLst/>
-          </p:spPr>
-          <p:style>
-            <a:lnRef idx="1">
-              <a:schemeClr val="accent1"/>
-            </a:lnRef>
-            <a:fillRef idx="3">
-              <a:schemeClr val="accent1"/>
-            </a:fillRef>
-            <a:effectRef idx="2">
-              <a:schemeClr val="accent1"/>
-            </a:effectRef>
-            <a:fontRef idx="minor">
-              <a:schemeClr val="lt1"/>
-            </a:fontRef>
-          </p:style>
-        </p:sp>
-        <p:sp>
-          <p:nvSpPr>
-            <p:cNvPr id="28" name="Rectangle 25">
-              <a:extLst>
-                <a:ext uri="{FF2B5EF4-FFF2-40B4-BE49-F238E27FC236}">
-                  <a16:creationId xmlns:a16="http://schemas.microsoft.com/office/drawing/2014/main" id="{95F944E7-2B4E-4AE2-B4DB-846FF8AE0B7A}"/>
-                </a:ext>
-                <a:ext uri="{C183D7F6-B498-43B3-948B-1728B52AA6E4}">
-                  <adec:decorative xmlns:adec="http://schemas.microsoft.com/office/drawing/2017/decorative" val="1"/>
-                </a:ext>
-              </a:extLst>
-            </p:cNvPr>
-            <p:cNvSpPr/>
-            <p:nvPr>
-              <p:extLst>
-                <p:ext uri="{386F3935-93C4-4BCD-93E2-E3B085C9AB24}">
-                  <p16:designElem xmlns:p16="http://schemas.microsoft.com/office/powerpoint/2015/main" val="1"/>
-                </p:ext>
-              </p:extLst>
-            </p:nvPr>
-          </p:nvSpPr>
-          <p:spPr>
-            <a:xfrm>
-              <a:off x="1680730" y="-8467"/>
-              <a:ext cx="2588558" cy="6866467"/>
-            </a:xfrm>
-            <a:custGeom>
-              <a:avLst/>
-              <a:gdLst/>
-              <a:ahLst/>
-              <a:cxnLst/>
-              <a:rect l="l" t="t" r="r" b="b"/>
-              <a:pathLst>
-                <a:path w="2573311" h="6866467">
-                  <a:moveTo>
-                    <a:pt x="0" y="0"/>
-                  </a:moveTo>
-                  <a:lnTo>
-                    <a:pt x="2573311" y="0"/>
-                  </a:lnTo>
-                  <a:lnTo>
-                    <a:pt x="2573311" y="6866467"/>
-                  </a:lnTo>
-                  <a:lnTo>
-                    <a:pt x="1202336" y="6866467"/>
-                  </a:lnTo>
-                  <a:lnTo>
-                    <a:pt x="0" y="0"/>
-                  </a:lnTo>
-                  <a:close/>
-                </a:path>
-              </a:pathLst>
-            </a:custGeom>
-            <a:solidFill>
-              <a:schemeClr val="accent1">
-                <a:alpha val="20000"/>
-              </a:schemeClr>
-            </a:solidFill>
-            <a:ln>
-              <a:noFill/>
-            </a:ln>
-            <a:effectLst/>
-          </p:spPr>
-          <p:style>
-            <a:lnRef idx="1">
-              <a:schemeClr val="accent1"/>
-            </a:lnRef>
-            <a:fillRef idx="3">
-              <a:schemeClr val="accent1"/>
-            </a:fillRef>
-            <a:effectRef idx="2">
-              <a:schemeClr val="accent1"/>
-            </a:effectRef>
-            <a:fontRef idx="minor">
-              <a:schemeClr val="lt1"/>
-            </a:fontRef>
-          </p:style>
-        </p:sp>
-        <p:sp>
-          <p:nvSpPr>
-            <p:cNvPr id="29" name="Isosceles Triangle 28">
-              <a:extLst>
-                <a:ext uri="{FF2B5EF4-FFF2-40B4-BE49-F238E27FC236}">
-                  <a16:creationId xmlns:a16="http://schemas.microsoft.com/office/drawing/2014/main" id="{FF14952D-390F-46CC-B302-73DDD9C4160F}"/>
-                </a:ext>
-                <a:ext uri="{C183D7F6-B498-43B3-948B-1728B52AA6E4}">
-                  <adec:decorative xmlns:adec="http://schemas.microsoft.com/office/drawing/2017/decorative" val="1"/>
-                </a:ext>
-              </a:extLst>
-            </p:cNvPr>
-            <p:cNvSpPr/>
-            <p:nvPr>
-              <p:extLst>
-                <p:ext uri="{386F3935-93C4-4BCD-93E2-E3B085C9AB24}">
-                  <p16:designElem xmlns:p16="http://schemas.microsoft.com/office/powerpoint/2015/main" val="1"/>
-                </p:ext>
-              </p:extLst>
-            </p:nvPr>
-          </p:nvSpPr>
-          <p:spPr>
-            <a:xfrm>
-              <a:off x="1009621" y="3048000"/>
-              <a:ext cx="3259667" cy="3810000"/>
-            </a:xfrm>
-            <a:prstGeom prst="triangle">
-              <a:avLst>
-                <a:gd name="adj" fmla="val 100000"/>
-              </a:avLst>
-            </a:prstGeom>
-            <a:solidFill>
-              <a:schemeClr val="accent2">
-                <a:alpha val="72000"/>
-              </a:schemeClr>
-            </a:solidFill>
-            <a:ln>
-              <a:noFill/>
-            </a:ln>
-            <a:effectLst/>
-          </p:spPr>
-          <p:style>
-            <a:lnRef idx="1">
-              <a:schemeClr val="accent1"/>
-            </a:lnRef>
-            <a:fillRef idx="3">
-              <a:schemeClr val="accent1"/>
-            </a:fillRef>
-            <a:effectRef idx="2">
-              <a:schemeClr val="accent1"/>
-            </a:effectRef>
-            <a:fontRef idx="minor">
-              <a:schemeClr val="lt1"/>
-            </a:fontRef>
-          </p:style>
-        </p:sp>
-        <p:sp>
-          <p:nvSpPr>
-            <p:cNvPr id="30" name="Rectangle 27">
-              <a:extLst>
-                <a:ext uri="{FF2B5EF4-FFF2-40B4-BE49-F238E27FC236}">
-                  <a16:creationId xmlns:a16="http://schemas.microsoft.com/office/drawing/2014/main" id="{867CDE55-B22A-40D0-882A-9452919EEC28}"/>
-                </a:ext>
-                <a:ext uri="{C183D7F6-B498-43B3-948B-1728B52AA6E4}">
-                  <adec:decorative xmlns:adec="http://schemas.microsoft.com/office/drawing/2017/decorative" val="1"/>
-                </a:ext>
-              </a:extLst>
-            </p:cNvPr>
-            <p:cNvSpPr/>
-            <p:nvPr>
-              <p:extLst>
-                <p:ext uri="{386F3935-93C4-4BCD-93E2-E3B085C9AB24}">
-                  <p16:designElem xmlns:p16="http://schemas.microsoft.com/office/powerpoint/2015/main" val="1"/>
-                </p:ext>
-              </p:extLst>
-            </p:nvPr>
-          </p:nvSpPr>
-          <p:spPr>
-            <a:xfrm>
-              <a:off x="1411788" y="-8467"/>
-              <a:ext cx="2854326" cy="6866467"/>
-            </a:xfrm>
-            <a:custGeom>
-              <a:avLst/>
-              <a:gdLst/>
-              <a:ahLst/>
-              <a:cxnLst/>
-              <a:rect l="l" t="t" r="r" b="b"/>
-              <a:pathLst>
-                <a:path w="2858013" h="6866467">
-                  <a:moveTo>
-                    <a:pt x="0" y="0"/>
-                  </a:moveTo>
-                  <a:lnTo>
-                    <a:pt x="2858013" y="0"/>
-                  </a:lnTo>
-                  <a:lnTo>
-                    <a:pt x="2858013" y="6866467"/>
-                  </a:lnTo>
-                  <a:lnTo>
-                    <a:pt x="2473942" y="6866467"/>
-                  </a:lnTo>
-                  <a:lnTo>
-                    <a:pt x="0" y="0"/>
-                  </a:lnTo>
-                  <a:close/>
-                </a:path>
-              </a:pathLst>
-            </a:custGeom>
-            <a:solidFill>
-              <a:schemeClr val="accent2">
-                <a:lumMod val="75000"/>
-                <a:alpha val="70000"/>
-              </a:schemeClr>
-            </a:solidFill>
-            <a:ln>
-              <a:noFill/>
-            </a:ln>
-            <a:effectLst/>
-          </p:spPr>
-          <p:style>
-            <a:lnRef idx="1">
-              <a:schemeClr val="accent1"/>
-            </a:lnRef>
-            <a:fillRef idx="3">
-              <a:schemeClr val="accent1"/>
-            </a:fillRef>
-            <a:effectRef idx="2">
-              <a:schemeClr val="accent1"/>
-            </a:effectRef>
-            <a:fontRef idx="minor">
-              <a:schemeClr val="lt1"/>
-            </a:fontRef>
-          </p:style>
-        </p:sp>
-        <p:sp>
-          <p:nvSpPr>
-            <p:cNvPr id="31" name="Isosceles Triangle 30">
-              <a:extLst>
-                <a:ext uri="{FF2B5EF4-FFF2-40B4-BE49-F238E27FC236}">
-                  <a16:creationId xmlns:a16="http://schemas.microsoft.com/office/drawing/2014/main" id="{8C409231-C942-4808-B529-DAC32A7DB002}"/>
-                </a:ext>
-                <a:ext uri="{C183D7F6-B498-43B3-948B-1728B52AA6E4}">
-                  <adec:decorative xmlns:adec="http://schemas.microsoft.com/office/drawing/2017/decorative" val="1"/>
-                </a:ext>
-              </a:extLst>
-            </p:cNvPr>
-            <p:cNvSpPr/>
-            <p:nvPr>
-              <p:extLst>
-                <p:ext uri="{386F3935-93C4-4BCD-93E2-E3B085C9AB24}">
-                  <p16:designElem xmlns:p16="http://schemas.microsoft.com/office/powerpoint/2015/main" val="1"/>
-                </p:ext>
-              </p:extLst>
-            </p:nvPr>
-          </p:nvSpPr>
-          <p:spPr>
-            <a:xfrm>
-              <a:off x="2448954" y="3589867"/>
-              <a:ext cx="1817159" cy="3268133"/>
-            </a:xfrm>
-            <a:prstGeom prst="triangle">
-              <a:avLst>
-                <a:gd name="adj" fmla="val 100000"/>
-              </a:avLst>
-            </a:prstGeom>
-            <a:solidFill>
-              <a:schemeClr val="accent1">
-                <a:alpha val="80000"/>
-              </a:schemeClr>
-            </a:solidFill>
-            <a:ln>
-              <a:noFill/>
-            </a:ln>
-            <a:effectLst/>
-          </p:spPr>
-          <p:style>
-            <a:lnRef idx="1">
-              <a:schemeClr val="accent1"/>
-            </a:lnRef>
-            <a:fillRef idx="3">
-              <a:schemeClr val="accent1"/>
-            </a:fillRef>
-            <a:effectRef idx="2">
-              <a:schemeClr val="accent1"/>
-            </a:effectRef>
-            <a:fontRef idx="minor">
-              <a:schemeClr val="lt1"/>
-            </a:fontRef>
-          </p:style>
-        </p:sp>
-      </p:grpSp>
-      <p:sp>
-        <p:nvSpPr>
-          <p:cNvPr id="2" name="Title 1">
-            <a:extLst>
-              <a:ext uri="{FF2B5EF4-FFF2-40B4-BE49-F238E27FC236}">
-                <a16:creationId xmlns:a16="http://schemas.microsoft.com/office/drawing/2014/main" id="{0DAB48B6-C4B2-46CC-92E0-72C2775F1EAC}"/>
-              </a:ext>
-            </a:extLst>
-          </p:cNvPr>
-          <p:cNvSpPr>
-            <a:spLocks noGrp="1"/>
-          </p:cNvSpPr>
-          <p:nvPr>
-            <p:ph type="title"/>
-          </p:nvPr>
-        </p:nvSpPr>
-        <p:spPr>
-          <a:xfrm>
-            <a:off x="677335" y="1282701"/>
-            <a:ext cx="5096060" cy="4307148"/>
-          </a:xfrm>
-        </p:spPr>
-        <p:txBody>
-          <a:bodyPr vert="horz" lIns="91440" tIns="45720" rIns="91440" bIns="45720" rtlCol="0" anchor="ctr">
-            <a:normAutofit/>
-          </a:bodyPr>
-          <a:lstStyle/>
-          <a:p>
-            <a:pPr algn="r"/>
-            <a:r>
-              <a:rPr lang="es-SV" sz="5400" dirty="0"/>
-              <a:t>Objetivo</a:t>
-            </a:r>
-            <a:r>
-              <a:rPr lang="en-US" sz="5400" dirty="0"/>
-              <a:t>:</a:t>
-            </a:r>
-          </a:p>
-        </p:txBody>
-      </p:sp>
-      <p:sp>
-        <p:nvSpPr>
-          <p:cNvPr id="33" name="Freeform: Shape 32">
-            <a:extLst>
-              <a:ext uri="{FF2B5EF4-FFF2-40B4-BE49-F238E27FC236}">
-                <a16:creationId xmlns:a16="http://schemas.microsoft.com/office/drawing/2014/main" id="{69370F01-B8C9-4CE4-824C-92B2792E6ED0}"/>
-              </a:ext>
-              <a:ext uri="{C183D7F6-B498-43B3-948B-1728B52AA6E4}">
-                <adec:decorative xmlns:adec="http://schemas.microsoft.com/office/drawing/2017/decorative" val="1"/>
-              </a:ext>
-            </a:extLst>
-          </p:cNvPr>
-          <p:cNvSpPr>
-            <a:spLocks noGrp="1" noRot="1" noChangeAspect="1" noMove="1" noResize="1" noEditPoints="1" noAdjustHandles="1" noChangeArrowheads="1" noChangeShapeType="1" noTextEdit="1"/>
-          </p:cNvSpPr>
-          <p:nvPr>
-            <p:extLst>
-              <p:ext uri="{386F3935-93C4-4BCD-93E2-E3B085C9AB24}">
-                <p16:designElem xmlns:p16="http://schemas.microsoft.com/office/powerpoint/2015/main" val="1"/>
-              </p:ext>
-            </p:extLst>
-          </p:nvPr>
-        </p:nvSpPr>
-        <p:spPr>
-          <a:xfrm>
-            <a:off x="7136497" y="-8468"/>
-            <a:ext cx="5074930" cy="6866468"/>
-          </a:xfrm>
-          <a:custGeom>
-            <a:avLst/>
-            <a:gdLst>
-              <a:gd name="connsiteX0" fmla="*/ 0 w 5074930"/>
-              <a:gd name="connsiteY0" fmla="*/ 0 h 6858000"/>
-              <a:gd name="connsiteX1" fmla="*/ 1249825 w 5074930"/>
-              <a:gd name="connsiteY1" fmla="*/ 0 h 6858000"/>
-              <a:gd name="connsiteX2" fmla="*/ 1249825 w 5074930"/>
-              <a:gd name="connsiteY2" fmla="*/ 8457 h 6858000"/>
-              <a:gd name="connsiteX3" fmla="*/ 5074930 w 5074930"/>
-              <a:gd name="connsiteY3" fmla="*/ 8457 h 6858000"/>
-              <a:gd name="connsiteX4" fmla="*/ 5074930 w 5074930"/>
-              <a:gd name="connsiteY4" fmla="*/ 6858000 h 6858000"/>
-              <a:gd name="connsiteX5" fmla="*/ 1249825 w 5074930"/>
-              <a:gd name="connsiteY5" fmla="*/ 6858000 h 6858000"/>
-              <a:gd name="connsiteX6" fmla="*/ 1109383 w 5074930"/>
-              <a:gd name="connsiteY6" fmla="*/ 6858000 h 6858000"/>
-            </a:gdLst>
-            <a:ahLst/>
-            <a:cxnLst>
-              <a:cxn ang="0">
-                <a:pos x="connsiteX0" y="connsiteY0"/>
-              </a:cxn>
-              <a:cxn ang="0">
-                <a:pos x="connsiteX1" y="connsiteY1"/>
-              </a:cxn>
-              <a:cxn ang="0">
-                <a:pos x="connsiteX2" y="connsiteY2"/>
-              </a:cxn>
-              <a:cxn ang="0">
-                <a:pos x="connsiteX3" y="connsiteY3"/>
-              </a:cxn>
-              <a:cxn ang="0">
-                <a:pos x="connsiteX4" y="connsiteY4"/>
-              </a:cxn>
-              <a:cxn ang="0">
-                <a:pos x="connsiteX5" y="connsiteY5"/>
-              </a:cxn>
-              <a:cxn ang="0">
-                <a:pos x="connsiteX6" y="connsiteY6"/>
-              </a:cxn>
-            </a:cxnLst>
-            <a:rect l="l" t="t" r="r" b="b"/>
-            <a:pathLst>
-              <a:path w="5074930" h="6858000">
-                <a:moveTo>
-                  <a:pt x="0" y="0"/>
-                </a:moveTo>
-                <a:lnTo>
-                  <a:pt x="1249825" y="0"/>
-                </a:lnTo>
-                <a:lnTo>
-                  <a:pt x="1249825" y="8457"/>
-                </a:lnTo>
-                <a:lnTo>
-                  <a:pt x="5074930" y="8457"/>
-                </a:lnTo>
-                <a:lnTo>
-                  <a:pt x="5074930" y="6858000"/>
-                </a:lnTo>
-                <a:lnTo>
-                  <a:pt x="1249825" y="6858000"/>
-                </a:lnTo>
-                <a:lnTo>
-                  <a:pt x="1109383" y="6858000"/>
-                </a:lnTo>
-                <a:close/>
-              </a:path>
-            </a:pathLst>
-          </a:custGeom>
-          <a:solidFill>
-            <a:schemeClr val="accent2">
-              <a:lumMod val="75000"/>
-            </a:schemeClr>
-          </a:solidFill>
-          <a:ln>
-            <a:noFill/>
-          </a:ln>
-        </p:spPr>
-        <p:style>
-          <a:lnRef idx="2">
-            <a:schemeClr val="accent1">
-              <a:shade val="50000"/>
-            </a:schemeClr>
-          </a:lnRef>
-          <a:fillRef idx="1">
-            <a:schemeClr val="accent1"/>
-          </a:fillRef>
-          <a:effectRef idx="0">
-            <a:schemeClr val="accent1"/>
-          </a:effectRef>
-          <a:fontRef idx="minor">
-            <a:schemeClr val="lt1"/>
-          </a:fontRef>
-        </p:style>
-        <p:txBody>
-          <a:bodyPr wrap="square" rtlCol="0" anchor="ctr">
-            <a:noAutofit/>
-          </a:bodyPr>
-          <a:lstStyle/>
-          <a:p>
-            <a:pPr algn="ctr"/>
-            <a:endParaRPr lang="en-US"/>
-          </a:p>
-        </p:txBody>
-      </p:sp>
-      <p:sp>
-        <p:nvSpPr>
-          <p:cNvPr id="4" name="Content Placeholder 3">
-            <a:extLst>
-              <a:ext uri="{FF2B5EF4-FFF2-40B4-BE49-F238E27FC236}">
-                <a16:creationId xmlns:a16="http://schemas.microsoft.com/office/drawing/2014/main" id="{EB7CC704-9CBD-4F02-9541-25D3C6D9D813}"/>
-              </a:ext>
-            </a:extLst>
-          </p:cNvPr>
-          <p:cNvSpPr>
-            <a:spLocks noGrp="1"/>
-          </p:cNvSpPr>
-          <p:nvPr>
-            <p:ph type="body" sz="half" idx="2"/>
-          </p:nvPr>
-        </p:nvSpPr>
-        <p:spPr>
-          <a:xfrm>
-            <a:off x="7476625" y="2383220"/>
-            <a:ext cx="4448742" cy="1962971"/>
-          </a:xfrm>
-        </p:spPr>
-        <p:txBody>
-          <a:bodyPr vert="horz" lIns="91440" tIns="45720" rIns="91440" bIns="45720" rtlCol="0" anchor="ctr">
-            <a:normAutofit/>
-          </a:bodyPr>
-          <a:lstStyle/>
-          <a:p>
-            <a:r>
-              <a:rPr lang="es-SV" sz="2800" dirty="0">
-                <a:solidFill>
-                  <a:srgbClr val="FFFFFF"/>
-                </a:solidFill>
-              </a:rPr>
-              <a:t>Conocer</a:t>
-            </a:r>
-            <a:r>
-              <a:rPr lang="en-US" sz="2800" dirty="0">
-                <a:solidFill>
-                  <a:srgbClr val="FFFFFF"/>
-                </a:solidFill>
-              </a:rPr>
-              <a:t> las bases de Git para </a:t>
-            </a:r>
-            <a:r>
-              <a:rPr lang="es-SV" sz="2800" dirty="0">
-                <a:solidFill>
-                  <a:srgbClr val="FFFFFF"/>
-                </a:solidFill>
-              </a:rPr>
-              <a:t>entender</a:t>
-            </a:r>
-            <a:r>
-              <a:rPr lang="en-US" sz="2800" dirty="0">
-                <a:solidFill>
-                  <a:srgbClr val="FFFFFF"/>
-                </a:solidFill>
-              </a:rPr>
-              <a:t> </a:t>
-            </a:r>
-            <a:r>
-              <a:rPr lang="en-US" sz="2800" dirty="0" err="1">
-                <a:solidFill>
-                  <a:srgbClr val="FFFFFF"/>
-                </a:solidFill>
-              </a:rPr>
-              <a:t>cómo</a:t>
-            </a:r>
-            <a:r>
-              <a:rPr lang="en-US" sz="2800" dirty="0">
-                <a:solidFill>
-                  <a:srgbClr val="FFFFFF"/>
-                </a:solidFill>
-              </a:rPr>
-              <a:t>  </a:t>
-            </a:r>
-            <a:r>
-              <a:rPr lang="es-SV" sz="2800" dirty="0">
-                <a:solidFill>
-                  <a:srgbClr val="FFFFFF"/>
-                </a:solidFill>
-              </a:rPr>
-              <a:t>funciona</a:t>
-            </a:r>
-          </a:p>
-          <a:p>
-            <a:endParaRPr lang="en-US" sz="2800" dirty="0">
-              <a:solidFill>
-                <a:srgbClr val="FFFFFF"/>
-              </a:solidFill>
-            </a:endParaRPr>
-          </a:p>
-        </p:txBody>
-      </p:sp>
-    </p:spTree>
-    <p:extLst>
-      <p:ext uri="{BB962C8B-B14F-4D97-AF65-F5344CB8AC3E}">
-        <p14:creationId xmlns:p14="http://schemas.microsoft.com/office/powerpoint/2010/main" val="2757732110"/>
-      </p:ext>
-    </p:extLst>
-  </p:cSld>
-  <p:clrMapOvr>
-    <a:masterClrMapping/>
-  </p:clrMapOvr>
-</p:sld>
-</file>
-
 <file path=ppt/slides/slide4.xml><?xml version="1.0" encoding="utf-8"?>
 <p:sld xmlns:a="http://schemas.openxmlformats.org/drawingml/2006/main" xmlns:r="http://schemas.openxmlformats.org/officeDocument/2006/relationships" xmlns:p="http://schemas.openxmlformats.org/presentationml/2006/main">
   <p:cSld>
@@ -25901,10 +25936,9 @@
               <a:t>La base de Git – la </a:t>
             </a:r>
             <a:r>
-              <a:rPr lang="en-US" sz="3600" dirty="0" err="1"/>
+              <a:rPr lang="es-SV" sz="3600" dirty="0"/>
               <a:t>llave</a:t>
             </a:r>
-            <a:endParaRPr lang="en-US" sz="3600" dirty="0"/>
           </a:p>
         </p:txBody>
       </p:sp>
@@ -25942,7 +25976,7 @@
               <a:buChar char=""/>
             </a:pPr>
             <a:r>
-              <a:rPr lang="en-US"/>
+              <a:rPr lang="es-SV" dirty="0"/>
               <a:t>Git usa un mapa (llave/valor)</a:t>
             </a:r>
           </a:p>
@@ -25956,8 +25990,8 @@
               <a:buChar char=""/>
             </a:pPr>
             <a:r>
-              <a:rPr lang="en-US"/>
-              <a:t>Git crea llave en base a algoritmo SHA1</a:t>
+              <a:rPr lang="es-SV" dirty="0"/>
+              <a:t>Git crea la llave en base a algoritmo SHA1</a:t>
             </a:r>
           </a:p>
           <a:p>
@@ -25970,8 +26004,24 @@
               <a:buChar char=""/>
             </a:pPr>
             <a:r>
-              <a:rPr lang="en-US"/>
-              <a:t>Objetos Git: blob / tree / commit </a:t>
+              <a:rPr lang="es-SV" dirty="0"/>
+              <a:t>Objetos Git: blob / </a:t>
+            </a:r>
+            <a:r>
+              <a:rPr lang="es-SV" dirty="0" err="1"/>
+              <a:t>tree</a:t>
+            </a:r>
+            <a:r>
+              <a:rPr lang="es-SV" dirty="0"/>
+              <a:t> / </a:t>
+            </a:r>
+            <a:r>
+              <a:rPr lang="es-SV" dirty="0" err="1"/>
+              <a:t>commit</a:t>
+            </a:r>
+            <a:r>
+              <a:rPr lang="es-SV" dirty="0"/>
+              <a:t> </a:t>
             </a:r>
           </a:p>
           <a:p>
@@ -25984,7 +26034,7 @@
               <a:buChar char=""/>
             </a:pPr>
             <a:r>
-              <a:rPr lang="en-US"/>
+              <a:rPr lang="es-SV" dirty="0"/>
               <a:t>Blob: Secuencia de bytes para almacenar archivos</a:t>
             </a:r>
           </a:p>
@@ -25998,8 +26048,12 @@
               <a:buChar char=""/>
             </a:pPr>
             <a:r>
-              <a:rPr lang="en-US"/>
-              <a:t>Tree: Directorio que apunta a algo mas</a:t>
+              <a:rPr lang="es-SV" dirty="0" err="1"/>
+              <a:t>Tree</a:t>
+            </a:r>
+            <a:r>
+              <a:rPr lang="es-SV" dirty="0"/>
+              <a:t>: Directorio que apunta a algo mas</a:t>
             </a:r>
           </a:p>
         </p:txBody>
